--- a/demo/Presentatie.pptx
+++ b/demo/Presentatie.pptx
@@ -5,10 +5,10 @@
     <p:sldMasterId id="2147483648" r:id="rId1"/>
   </p:sldMasterIdLst>
   <p:notesMasterIdLst>
-    <p:notesMasterId r:id="rId15"/>
+    <p:notesMasterId r:id="rId19"/>
   </p:notesMasterIdLst>
   <p:handoutMasterIdLst>
-    <p:handoutMasterId r:id="rId16"/>
+    <p:handoutMasterId r:id="rId20"/>
   </p:handoutMasterIdLst>
   <p:sldIdLst>
     <p:sldId id="319" r:id="rId2"/>
@@ -22,8 +22,12 @@
     <p:sldId id="348" r:id="rId10"/>
     <p:sldId id="349" r:id="rId11"/>
     <p:sldId id="350" r:id="rId12"/>
-    <p:sldId id="351" r:id="rId13"/>
-    <p:sldId id="352" r:id="rId14"/>
+    <p:sldId id="353" r:id="rId13"/>
+    <p:sldId id="351" r:id="rId14"/>
+    <p:sldId id="352" r:id="rId15"/>
+    <p:sldId id="354" r:id="rId16"/>
+    <p:sldId id="356" r:id="rId17"/>
+    <p:sldId id="355" r:id="rId18"/>
   </p:sldIdLst>
   <p:sldSz cx="9144000" cy="6858000" type="screen4x3"/>
   <p:notesSz cx="6858000" cy="9144000"/>
@@ -5556,12 +5560,19 @@
         </dgm:presLayoutVars>
       </dgm:prSet>
       <dgm:spPr/>
+      <dgm:t>
+        <a:bodyPr/>
+        <a:lstStyle/>
+        <a:p>
+          <a:endParaRPr lang="nl-NL"/>
+        </a:p>
+      </dgm:t>
     </dgm:pt>
   </dgm:ptLst>
   <dgm:cxnLst>
     <dgm:cxn modelId="{29BAB1A1-32E2-C94D-BF13-828F30E2661D}" srcId="{45D12252-C7D5-9E44-8B2B-4B353A48A90A}" destId="{B58DC8AC-C7A5-3341-8618-E0483E715147}" srcOrd="0" destOrd="0" parTransId="{B2ACA0B6-F7B7-0047-9380-6A275C5C2762}" sibTransId="{4DF6E034-B136-7F43-9A9D-900B72153682}"/>
+    <dgm:cxn modelId="{BB2A1E1A-301E-AE40-896B-235E4A83BBC1}" srcId="{45D12252-C7D5-9E44-8B2B-4B353A48A90A}" destId="{2C884A09-BD4E-1B4D-BC45-0956FAEFBA9F}" srcOrd="2" destOrd="0" parTransId="{BC3BE305-CCBF-0E40-ACDC-DADDF1308274}" sibTransId="{937FF801-CCA9-E540-93F5-853C28BC6764}"/>
     <dgm:cxn modelId="{3C93D562-211D-334E-B567-D81ACCCC363A}" type="presOf" srcId="{2C884A09-BD4E-1B4D-BC45-0956FAEFBA9F}" destId="{A2580C53-E65E-6249-897A-96A68F532C7C}" srcOrd="0" destOrd="0" presId="urn:microsoft.com/office/officeart/2005/8/layout/hProcess9"/>
-    <dgm:cxn modelId="{BB2A1E1A-301E-AE40-896B-235E4A83BBC1}" srcId="{45D12252-C7D5-9E44-8B2B-4B353A48A90A}" destId="{2C884A09-BD4E-1B4D-BC45-0956FAEFBA9F}" srcOrd="2" destOrd="0" parTransId="{BC3BE305-CCBF-0E40-ACDC-DADDF1308274}" sibTransId="{937FF801-CCA9-E540-93F5-853C28BC6764}"/>
     <dgm:cxn modelId="{5235BD58-944B-7E44-8E9A-33C418E0186D}" srcId="{45D12252-C7D5-9E44-8B2B-4B353A48A90A}" destId="{71D42BA0-8502-234F-B042-C52A8D5E63DB}" srcOrd="1" destOrd="0" parTransId="{FF32C09D-0971-3F4C-9E71-1C7EB2F92531}" sibTransId="{CCB1AEB5-2B84-4546-9271-34040F7209C8}"/>
     <dgm:cxn modelId="{3A87027C-4066-A54B-85D8-312B220DB575}" type="presOf" srcId="{71D42BA0-8502-234F-B042-C52A8D5E63DB}" destId="{B06E6C94-2477-E646-9560-EC8F28BB16AA}" srcOrd="0" destOrd="0" presId="urn:microsoft.com/office/officeart/2005/8/layout/hProcess9"/>
     <dgm:cxn modelId="{AA45D257-B16F-834C-A729-629E5DB2BA51}" type="presOf" srcId="{B58DC8AC-C7A5-3341-8618-E0483E715147}" destId="{147A8992-CDD2-F346-A1A0-C84314AD96A7}" srcOrd="0" destOrd="0" presId="urn:microsoft.com/office/officeart/2005/8/layout/hProcess9"/>
@@ -5940,6 +5951,13 @@
         </dgm:presLayoutVars>
       </dgm:prSet>
       <dgm:spPr/>
+      <dgm:t>
+        <a:bodyPr/>
+        <a:lstStyle/>
+        <a:p>
+          <a:endParaRPr lang="nl-NL"/>
+        </a:p>
+      </dgm:t>
     </dgm:pt>
     <dgm:pt modelId="{4D04924F-B1E5-B74F-BEFA-D7D287869C2B}" type="pres">
       <dgm:prSet presAssocID="{02EE7DD6-AD8E-9545-949B-2BE957D8FE8F}" presName="composite" presStyleCnt="0"/>
@@ -5954,6 +5972,13 @@
         </dgm:presLayoutVars>
       </dgm:prSet>
       <dgm:spPr/>
+      <dgm:t>
+        <a:bodyPr/>
+        <a:lstStyle/>
+        <a:p>
+          <a:endParaRPr lang="nl-NL"/>
+        </a:p>
+      </dgm:t>
     </dgm:pt>
     <dgm:pt modelId="{15844171-4739-4B4A-A72E-5E63287CA559}" type="pres">
       <dgm:prSet presAssocID="{02EE7DD6-AD8E-9545-949B-2BE957D8FE8F}" presName="desTx" presStyleLbl="alignAccFollowNode1" presStyleIdx="0" presStyleCnt="3">
@@ -5987,6 +6012,13 @@
         </dgm:presLayoutVars>
       </dgm:prSet>
       <dgm:spPr/>
+      <dgm:t>
+        <a:bodyPr/>
+        <a:lstStyle/>
+        <a:p>
+          <a:endParaRPr lang="nl-NL"/>
+        </a:p>
+      </dgm:t>
     </dgm:pt>
     <dgm:pt modelId="{9A0A0E30-BAD7-AF40-9DED-8343A1047A76}" type="pres">
       <dgm:prSet presAssocID="{5C0E6BE1-DB32-C34A-A11A-79AE0A9A8D05}" presName="desTx" presStyleLbl="alignAccFollowNode1" presStyleIdx="1" presStyleCnt="3">
@@ -6551,6 +6583,13 @@
         </dgm:presLayoutVars>
       </dgm:prSet>
       <dgm:spPr/>
+      <dgm:t>
+        <a:bodyPr/>
+        <a:lstStyle/>
+        <a:p>
+          <a:endParaRPr lang="nl-NL"/>
+        </a:p>
+      </dgm:t>
     </dgm:pt>
     <dgm:pt modelId="{A9E3F2E0-D4AF-1C43-B302-B36D0806FA27}" type="pres">
       <dgm:prSet presAssocID="{8399D273-9698-0E4C-9817-A057EA6BC5F8}" presName="node" presStyleLbl="node1" presStyleIdx="0" presStyleCnt="9">
@@ -6616,6 +6655,13 @@
         </dgm:presLayoutVars>
       </dgm:prSet>
       <dgm:spPr/>
+      <dgm:t>
+        <a:bodyPr/>
+        <a:lstStyle/>
+        <a:p>
+          <a:endParaRPr lang="nl-NL"/>
+        </a:p>
+      </dgm:t>
     </dgm:pt>
     <dgm:pt modelId="{81D0CE3C-D768-CB42-B9BE-602799DCF285}" type="pres">
       <dgm:prSet presAssocID="{9A30F93A-EE44-C045-A9EB-302E6343B44A}" presName="sibTrans" presStyleCnt="0"/>
@@ -6628,6 +6674,13 @@
         </dgm:presLayoutVars>
       </dgm:prSet>
       <dgm:spPr/>
+      <dgm:t>
+        <a:bodyPr/>
+        <a:lstStyle/>
+        <a:p>
+          <a:endParaRPr lang="nl-NL"/>
+        </a:p>
+      </dgm:t>
     </dgm:pt>
     <dgm:pt modelId="{2EBB5382-DC6B-B148-ABEF-87684F9E0A9C}" type="pres">
       <dgm:prSet presAssocID="{6CBF16D7-BDD9-FA45-B4D5-C86BE12CB72A}" presName="sibTrans" presStyleCnt="0"/>
@@ -6640,6 +6693,13 @@
         </dgm:presLayoutVars>
       </dgm:prSet>
       <dgm:spPr/>
+      <dgm:t>
+        <a:bodyPr/>
+        <a:lstStyle/>
+        <a:p>
+          <a:endParaRPr lang="nl-NL"/>
+        </a:p>
+      </dgm:t>
     </dgm:pt>
     <dgm:pt modelId="{546CF822-4AC7-1F45-8986-8D6D8CFFD3C6}" type="pres">
       <dgm:prSet presAssocID="{E0586A48-8286-E74A-9AE2-387CFDC00D03}" presName="sibTrans" presStyleCnt="0"/>
@@ -6671,6 +6731,13 @@
         </dgm:presLayoutVars>
       </dgm:prSet>
       <dgm:spPr/>
+      <dgm:t>
+        <a:bodyPr/>
+        <a:lstStyle/>
+        <a:p>
+          <a:endParaRPr lang="nl-NL"/>
+        </a:p>
+      </dgm:t>
     </dgm:pt>
     <dgm:pt modelId="{073F2F86-2B3A-124F-904A-FE544798F65C}" type="pres">
       <dgm:prSet presAssocID="{CCC383C1-9E9C-0348-9D51-04DD16F2349A}" presName="sibTrans" presStyleCnt="0"/>
@@ -6706,11 +6773,11 @@
     <dgm:cxn modelId="{3AF62086-5ECE-4A48-9D1D-3A435C397950}" type="presOf" srcId="{AD967B59-318D-6341-97D9-9B79CED8CA65}" destId="{6CFAB455-644B-DC43-B819-0EA782CAEEAC}" srcOrd="0" destOrd="0" presId="urn:microsoft.com/office/officeart/2005/8/layout/default"/>
     <dgm:cxn modelId="{C384FDF5-A1DA-0847-BAE5-DB105D9725A5}" type="presOf" srcId="{DE148243-2CD7-D748-91EE-B56E26EC0713}" destId="{709397D5-525E-304B-8609-95AE9B46F2A6}" srcOrd="0" destOrd="0" presId="urn:microsoft.com/office/officeart/2005/8/layout/default"/>
     <dgm:cxn modelId="{992453CE-6064-A44A-9279-199902852EB7}" srcId="{E221A025-91AE-B443-861B-5785DF9950C9}" destId="{8399D273-9698-0E4C-9817-A057EA6BC5F8}" srcOrd="0" destOrd="0" parTransId="{852E4AA8-104E-714B-91B4-1E9F30201354}" sibTransId="{666D3EC7-3215-2C4C-97D4-0ABCE8070C14}"/>
+    <dgm:cxn modelId="{2853CDC4-8DF7-9949-99FC-859703468E15}" srcId="{E221A025-91AE-B443-861B-5785DF9950C9}" destId="{D9670E31-386E-1048-BCD0-64946EC62444}" srcOrd="8" destOrd="0" parTransId="{15167863-4494-BA4A-A950-A9FF12724FF8}" sibTransId="{8A4B4D6B-DD28-E845-ABD0-9EE65A6C5011}"/>
     <dgm:cxn modelId="{1B1A445E-0429-0D41-8367-0589224617EB}" type="presOf" srcId="{E221A025-91AE-B443-861B-5785DF9950C9}" destId="{2ABAB56D-B3B0-9F4E-8AC2-A6D6E9E2C55F}" srcOrd="0" destOrd="0" presId="urn:microsoft.com/office/officeart/2005/8/layout/default"/>
-    <dgm:cxn modelId="{2853CDC4-8DF7-9949-99FC-859703468E15}" srcId="{E221A025-91AE-B443-861B-5785DF9950C9}" destId="{D9670E31-386E-1048-BCD0-64946EC62444}" srcOrd="8" destOrd="0" parTransId="{15167863-4494-BA4A-A950-A9FF12724FF8}" sibTransId="{8A4B4D6B-DD28-E845-ABD0-9EE65A6C5011}"/>
     <dgm:cxn modelId="{97AF9429-1AC4-5840-B279-C2D279D16B36}" type="presOf" srcId="{BB857F64-3FBF-4743-892C-89721DA0E70A}" destId="{78C83A78-C447-9341-918E-039E0668D0BC}" srcOrd="0" destOrd="0" presId="urn:microsoft.com/office/officeart/2005/8/layout/default"/>
+    <dgm:cxn modelId="{142766D0-7385-B84C-9480-20D890AAB545}" type="presOf" srcId="{C717F18F-9AF1-8144-9816-6237A5AA2F5A}" destId="{5AC9C74F-6E7A-4245-B694-B4C05764BB72}" srcOrd="0" destOrd="0" presId="urn:microsoft.com/office/officeart/2005/8/layout/default"/>
     <dgm:cxn modelId="{D30780D7-B27C-C34E-BBD3-7E55F6C6CE11}" srcId="{E221A025-91AE-B443-861B-5785DF9950C9}" destId="{DE148243-2CD7-D748-91EE-B56E26EC0713}" srcOrd="3" destOrd="0" parTransId="{411E9A42-DBE0-E942-8119-653622B1C21C}" sibTransId="{9A30F93A-EE44-C045-A9EB-302E6343B44A}"/>
-    <dgm:cxn modelId="{142766D0-7385-B84C-9480-20D890AAB545}" type="presOf" srcId="{C717F18F-9AF1-8144-9816-6237A5AA2F5A}" destId="{5AC9C74F-6E7A-4245-B694-B4C05764BB72}" srcOrd="0" destOrd="0" presId="urn:microsoft.com/office/officeart/2005/8/layout/default"/>
     <dgm:cxn modelId="{CB710DC9-476F-5F4D-9549-9E28A8A94292}" srcId="{E221A025-91AE-B443-861B-5785DF9950C9}" destId="{DEC55A21-4642-A749-BA7A-5DE0A0E968E4}" srcOrd="5" destOrd="0" parTransId="{9B846745-4DAF-C64A-BC50-54F00E77F293}" sibTransId="{E0586A48-8286-E74A-9AE2-387CFDC00D03}"/>
     <dgm:cxn modelId="{213990DB-C8D9-2742-B3C0-4FF282761940}" type="presParOf" srcId="{2ABAB56D-B3B0-9F4E-8AC2-A6D6E9E2C55F}" destId="{A9E3F2E0-D4AF-1C43-B302-B36D0806FA27}" srcOrd="0" destOrd="0" presId="urn:microsoft.com/office/officeart/2005/8/layout/default"/>
     <dgm:cxn modelId="{19810AF4-20EE-3440-9664-ECCEA3F16F0F}" type="presParOf" srcId="{2ABAB56D-B3B0-9F4E-8AC2-A6D6E9E2C55F}" destId="{7779CFC4-402E-8149-9594-523462099B04}" srcOrd="1" destOrd="0" presId="urn:microsoft.com/office/officeart/2005/8/layout/default"/>
@@ -6910,6 +6977,13 @@
         </dgm:presLayoutVars>
       </dgm:prSet>
       <dgm:spPr/>
+      <dgm:t>
+        <a:bodyPr/>
+        <a:lstStyle/>
+        <a:p>
+          <a:endParaRPr lang="nl-NL"/>
+        </a:p>
+      </dgm:t>
     </dgm:pt>
     <dgm:pt modelId="{2042B463-E8E5-1844-8023-E9C6B6BA537D}" type="pres">
       <dgm:prSet presAssocID="{8FB44FDC-1831-E84C-81D1-3CC2122611C9}" presName="ellipse" presStyleLbl="trBgShp" presStyleIdx="0" presStyleCnt="1"/>
@@ -6933,6 +7007,13 @@
         </dgm:presLayoutVars>
       </dgm:prSet>
       <dgm:spPr/>
+      <dgm:t>
+        <a:bodyPr/>
+        <a:lstStyle/>
+        <a:p>
+          <a:endParaRPr lang="nl-NL"/>
+        </a:p>
+      </dgm:t>
     </dgm:pt>
     <dgm:pt modelId="{8987052B-D593-B84D-B30C-754CF2941862}" type="pres">
       <dgm:prSet presAssocID="{5472174C-DE1F-464C-99A5-05AE2E501903}" presName="item1" presStyleLbl="node1" presStyleIdx="0" presStyleCnt="3">
@@ -6941,6 +7022,13 @@
         </dgm:presLayoutVars>
       </dgm:prSet>
       <dgm:spPr/>
+      <dgm:t>
+        <a:bodyPr/>
+        <a:lstStyle/>
+        <a:p>
+          <a:endParaRPr lang="nl-NL"/>
+        </a:p>
+      </dgm:t>
     </dgm:pt>
     <dgm:pt modelId="{2A3A8575-F57B-F547-9F1C-2B2903CFE154}" type="pres">
       <dgm:prSet presAssocID="{E725EA6A-71E7-FA4F-A4D8-7D4F570BF1C7}" presName="item2" presStyleLbl="node1" presStyleIdx="1" presStyleCnt="3">
@@ -6949,6 +7037,13 @@
         </dgm:presLayoutVars>
       </dgm:prSet>
       <dgm:spPr/>
+      <dgm:t>
+        <a:bodyPr/>
+        <a:lstStyle/>
+        <a:p>
+          <a:endParaRPr lang="nl-NL"/>
+        </a:p>
+      </dgm:t>
     </dgm:pt>
     <dgm:pt modelId="{0DF401A3-5A6C-5B42-AE1F-598CFCAA891A}" type="pres">
       <dgm:prSet presAssocID="{973E70BF-20B1-A14F-9B1B-79638495540B}" presName="item3" presStyleLbl="node1" presStyleIdx="2" presStyleCnt="3">
@@ -6957,6 +7052,13 @@
         </dgm:presLayoutVars>
       </dgm:prSet>
       <dgm:spPr/>
+      <dgm:t>
+        <a:bodyPr/>
+        <a:lstStyle/>
+        <a:p>
+          <a:endParaRPr lang="nl-NL"/>
+        </a:p>
+      </dgm:t>
     </dgm:pt>
     <dgm:pt modelId="{C58E4E7C-0EDD-B94A-86BB-1373FFE567AC}" type="pres">
       <dgm:prSet presAssocID="{8FB44FDC-1831-E84C-81D1-3CC2122611C9}" presName="funnel" presStyleLbl="trAlignAcc1" presStyleIdx="0" presStyleCnt="1"/>
@@ -6968,8 +7070,8 @@
     <dgm:cxn modelId="{F435728B-8078-9748-B27D-0D18DE466207}" type="presOf" srcId="{5472174C-DE1F-464C-99A5-05AE2E501903}" destId="{2A3A8575-F57B-F547-9F1C-2B2903CFE154}" srcOrd="0" destOrd="0" presId="urn:microsoft.com/office/officeart/2005/8/layout/funnel1"/>
     <dgm:cxn modelId="{7BDE1ADA-C305-C946-92DB-C587A024E939}" srcId="{8FB44FDC-1831-E84C-81D1-3CC2122611C9}" destId="{5472174C-DE1F-464C-99A5-05AE2E501903}" srcOrd="1" destOrd="0" parTransId="{D7ABED5F-AFDA-1943-ABC9-4F902C9F5BE5}" sibTransId="{C4707464-1CAF-3F4B-95BB-5139ACE05C3A}"/>
     <dgm:cxn modelId="{F6C73791-4819-6241-8891-ED11CE32F710}" type="presOf" srcId="{973E70BF-20B1-A14F-9B1B-79638495540B}" destId="{4BFF015D-2408-4E41-91AE-AE85C465AA0A}" srcOrd="0" destOrd="0" presId="urn:microsoft.com/office/officeart/2005/8/layout/funnel1"/>
+    <dgm:cxn modelId="{AA0DA643-80BE-ED4A-AE6C-14E8B929FFB8}" type="presOf" srcId="{8FB44FDC-1831-E84C-81D1-3CC2122611C9}" destId="{BF048365-36C5-5545-A3AD-56FE6708B418}" srcOrd="0" destOrd="0" presId="urn:microsoft.com/office/officeart/2005/8/layout/funnel1"/>
     <dgm:cxn modelId="{FC5C440C-EF5B-EA4F-BDA8-D9E5D2718033}" type="presOf" srcId="{74D0D171-8DD2-CC41-B168-0D7E0331283C}" destId="{0DF401A3-5A6C-5B42-AE1F-598CFCAA891A}" srcOrd="0" destOrd="0" presId="urn:microsoft.com/office/officeart/2005/8/layout/funnel1"/>
-    <dgm:cxn modelId="{AA0DA643-80BE-ED4A-AE6C-14E8B929FFB8}" type="presOf" srcId="{8FB44FDC-1831-E84C-81D1-3CC2122611C9}" destId="{BF048365-36C5-5545-A3AD-56FE6708B418}" srcOrd="0" destOrd="0" presId="urn:microsoft.com/office/officeart/2005/8/layout/funnel1"/>
     <dgm:cxn modelId="{724FB673-1471-D342-959E-98636E08ABD8}" type="presOf" srcId="{E725EA6A-71E7-FA4F-A4D8-7D4F570BF1C7}" destId="{8987052B-D593-B84D-B30C-754CF2941862}" srcOrd="0" destOrd="0" presId="urn:microsoft.com/office/officeart/2005/8/layout/funnel1"/>
     <dgm:cxn modelId="{31519AC3-B7E1-0B40-9A60-E0230D497E44}" srcId="{8FB44FDC-1831-E84C-81D1-3CC2122611C9}" destId="{973E70BF-20B1-A14F-9B1B-79638495540B}" srcOrd="3" destOrd="0" parTransId="{5EE8F4AA-AD11-3848-B05B-282E2E1BC636}" sibTransId="{39088BB2-C2B0-0C49-9010-37125F113263}"/>
     <dgm:cxn modelId="{67F32012-EFEE-BE48-A9EF-C68B6C8F0549}" srcId="{8FB44FDC-1831-E84C-81D1-3CC2122611C9}" destId="{E725EA6A-71E7-FA4F-A4D8-7D4F570BF1C7}" srcOrd="2" destOrd="0" parTransId="{DA44241B-B8AD-C340-BC92-2583CA22111D}" sibTransId="{E667A1C4-5D9E-4147-8FAE-BF11A92B57DA}"/>
@@ -7090,14 +7192,35 @@
         </dgm:presLayoutVars>
       </dgm:prSet>
       <dgm:spPr/>
+      <dgm:t>
+        <a:bodyPr/>
+        <a:lstStyle/>
+        <a:p>
+          <a:endParaRPr lang="nl-NL"/>
+        </a:p>
+      </dgm:t>
     </dgm:pt>
     <dgm:pt modelId="{5EE99F2B-BF51-AB46-83DA-F3D948400E6C}" type="pres">
       <dgm:prSet presAssocID="{F73B51DC-8BA9-8E4F-B3C5-A590BB75DEC9}" presName="gear1srcNode" presStyleLbl="node1" presStyleIdx="0" presStyleCnt="2"/>
       <dgm:spPr/>
+      <dgm:t>
+        <a:bodyPr/>
+        <a:lstStyle/>
+        <a:p>
+          <a:endParaRPr lang="nl-NL"/>
+        </a:p>
+      </dgm:t>
     </dgm:pt>
     <dgm:pt modelId="{370DBBC7-1F18-6A44-893A-E515025C135D}" type="pres">
       <dgm:prSet presAssocID="{F73B51DC-8BA9-8E4F-B3C5-A590BB75DEC9}" presName="gear1dstNode" presStyleLbl="node1" presStyleIdx="0" presStyleCnt="2"/>
       <dgm:spPr/>
+      <dgm:t>
+        <a:bodyPr/>
+        <a:lstStyle/>
+        <a:p>
+          <a:endParaRPr lang="nl-NL"/>
+        </a:p>
+      </dgm:t>
     </dgm:pt>
     <dgm:pt modelId="{C7B89A43-7C4C-7B4F-ACA3-962C4037E4C6}" type="pres">
       <dgm:prSet presAssocID="{5AF1D3F0-C035-A840-B1D6-57F913F0793E}" presName="gear2" presStyleLbl="node1" presStyleIdx="1" presStyleCnt="2">
@@ -7107,36 +7230,71 @@
         </dgm:presLayoutVars>
       </dgm:prSet>
       <dgm:spPr/>
+      <dgm:t>
+        <a:bodyPr/>
+        <a:lstStyle/>
+        <a:p>
+          <a:endParaRPr lang="nl-NL"/>
+        </a:p>
+      </dgm:t>
     </dgm:pt>
     <dgm:pt modelId="{3148B80F-8E32-9040-A1D5-FA5092FBD6B7}" type="pres">
       <dgm:prSet presAssocID="{5AF1D3F0-C035-A840-B1D6-57F913F0793E}" presName="gear2srcNode" presStyleLbl="node1" presStyleIdx="1" presStyleCnt="2"/>
       <dgm:spPr/>
+      <dgm:t>
+        <a:bodyPr/>
+        <a:lstStyle/>
+        <a:p>
+          <a:endParaRPr lang="nl-NL"/>
+        </a:p>
+      </dgm:t>
     </dgm:pt>
     <dgm:pt modelId="{428B4109-832A-0F4B-9DC6-F862D4F7C18A}" type="pres">
       <dgm:prSet presAssocID="{5AF1D3F0-C035-A840-B1D6-57F913F0793E}" presName="gear2dstNode" presStyleLbl="node1" presStyleIdx="1" presStyleCnt="2"/>
       <dgm:spPr/>
+      <dgm:t>
+        <a:bodyPr/>
+        <a:lstStyle/>
+        <a:p>
+          <a:endParaRPr lang="nl-NL"/>
+        </a:p>
+      </dgm:t>
     </dgm:pt>
     <dgm:pt modelId="{642F1318-C281-7643-993C-BEFA6351506E}" type="pres">
       <dgm:prSet presAssocID="{027D5E1B-72D9-BB4C-8E87-4D6C9F221531}" presName="connector1" presStyleLbl="sibTrans2D1" presStyleIdx="0" presStyleCnt="2"/>
       <dgm:spPr/>
+      <dgm:t>
+        <a:bodyPr/>
+        <a:lstStyle/>
+        <a:p>
+          <a:endParaRPr lang="nl-NL"/>
+        </a:p>
+      </dgm:t>
     </dgm:pt>
     <dgm:pt modelId="{EF710E0F-5E5C-884C-941C-4C52F5536DB6}" type="pres">
       <dgm:prSet presAssocID="{E31B755E-BD87-864B-8F45-84C13EEE8687}" presName="connector2" presStyleLbl="sibTrans2D1" presStyleIdx="1" presStyleCnt="2"/>
       <dgm:spPr/>
+      <dgm:t>
+        <a:bodyPr/>
+        <a:lstStyle/>
+        <a:p>
+          <a:endParaRPr lang="nl-NL"/>
+        </a:p>
+      </dgm:t>
     </dgm:pt>
   </dgm:ptLst>
   <dgm:cxnLst>
+    <dgm:cxn modelId="{B87B8609-706E-7745-B2D7-1C966730B0DF}" srcId="{982BD068-6D3A-C14B-B3E3-71EF06FC4B5D}" destId="{F73B51DC-8BA9-8E4F-B3C5-A590BB75DEC9}" srcOrd="0" destOrd="0" parTransId="{C771F12C-E3CF-9C41-88AC-9828B1E56A28}" sibTransId="{027D5E1B-72D9-BB4C-8E87-4D6C9F221531}"/>
+    <dgm:cxn modelId="{796D49CB-D018-1E4F-B560-8110D6E0370B}" type="presOf" srcId="{027D5E1B-72D9-BB4C-8E87-4D6C9F221531}" destId="{642F1318-C281-7643-993C-BEFA6351506E}" srcOrd="0" destOrd="0" presId="urn:microsoft.com/office/officeart/2005/8/layout/gear1"/>
+    <dgm:cxn modelId="{5104C1EC-AEFE-8B4D-A0F0-3D4E393949C2}" type="presOf" srcId="{E31B755E-BD87-864B-8F45-84C13EEE8687}" destId="{EF710E0F-5E5C-884C-941C-4C52F5536DB6}" srcOrd="0" destOrd="0" presId="urn:microsoft.com/office/officeart/2005/8/layout/gear1"/>
+    <dgm:cxn modelId="{DFE93775-549B-A044-8210-28D0E53649BB}" type="presOf" srcId="{982BD068-6D3A-C14B-B3E3-71EF06FC4B5D}" destId="{14307530-A896-6843-A155-A0167B422032}" srcOrd="0" destOrd="0" presId="urn:microsoft.com/office/officeart/2005/8/layout/gear1"/>
+    <dgm:cxn modelId="{9608901C-3E3E-B94C-A2C0-D7A18B3DD421}" type="presOf" srcId="{F73B51DC-8BA9-8E4F-B3C5-A590BB75DEC9}" destId="{370DBBC7-1F18-6A44-893A-E515025C135D}" srcOrd="2" destOrd="0" presId="urn:microsoft.com/office/officeart/2005/8/layout/gear1"/>
+    <dgm:cxn modelId="{413664F8-ED34-0544-9E9F-CC9B43E84C6B}" srcId="{982BD068-6D3A-C14B-B3E3-71EF06FC4B5D}" destId="{5AF1D3F0-C035-A840-B1D6-57F913F0793E}" srcOrd="1" destOrd="0" parTransId="{1DE18BC9-F2D7-6B43-BD4B-AE9FA7AAE8A2}" sibTransId="{E31B755E-BD87-864B-8F45-84C13EEE8687}"/>
     <dgm:cxn modelId="{03B3BEA0-A6F7-1F4B-A31D-1BA76C48DB5D}" type="presOf" srcId="{F73B51DC-8BA9-8E4F-B3C5-A590BB75DEC9}" destId="{3BE28C13-2FCC-524B-AC1F-2882531BDF07}" srcOrd="0" destOrd="0" presId="urn:microsoft.com/office/officeart/2005/8/layout/gear1"/>
-    <dgm:cxn modelId="{B87B8609-706E-7745-B2D7-1C966730B0DF}" srcId="{982BD068-6D3A-C14B-B3E3-71EF06FC4B5D}" destId="{F73B51DC-8BA9-8E4F-B3C5-A590BB75DEC9}" srcOrd="0" destOrd="0" parTransId="{C771F12C-E3CF-9C41-88AC-9828B1E56A28}" sibTransId="{027D5E1B-72D9-BB4C-8E87-4D6C9F221531}"/>
-    <dgm:cxn modelId="{5104C1EC-AEFE-8B4D-A0F0-3D4E393949C2}" type="presOf" srcId="{E31B755E-BD87-864B-8F45-84C13EEE8687}" destId="{EF710E0F-5E5C-884C-941C-4C52F5536DB6}" srcOrd="0" destOrd="0" presId="urn:microsoft.com/office/officeart/2005/8/layout/gear1"/>
+    <dgm:cxn modelId="{BF693505-2E85-874B-8C01-0DD5F6D9C044}" type="presOf" srcId="{F73B51DC-8BA9-8E4F-B3C5-A590BB75DEC9}" destId="{5EE99F2B-BF51-AB46-83DA-F3D948400E6C}" srcOrd="1" destOrd="0" presId="urn:microsoft.com/office/officeart/2005/8/layout/gear1"/>
     <dgm:cxn modelId="{9F72520B-ED01-7549-9E4C-AA56FC6C4040}" type="presOf" srcId="{5AF1D3F0-C035-A840-B1D6-57F913F0793E}" destId="{C7B89A43-7C4C-7B4F-ACA3-962C4037E4C6}" srcOrd="0" destOrd="0" presId="urn:microsoft.com/office/officeart/2005/8/layout/gear1"/>
-    <dgm:cxn modelId="{DFE93775-549B-A044-8210-28D0E53649BB}" type="presOf" srcId="{982BD068-6D3A-C14B-B3E3-71EF06FC4B5D}" destId="{14307530-A896-6843-A155-A0167B422032}" srcOrd="0" destOrd="0" presId="urn:microsoft.com/office/officeart/2005/8/layout/gear1"/>
-    <dgm:cxn modelId="{BF693505-2E85-874B-8C01-0DD5F6D9C044}" type="presOf" srcId="{F73B51DC-8BA9-8E4F-B3C5-A590BB75DEC9}" destId="{5EE99F2B-BF51-AB46-83DA-F3D948400E6C}" srcOrd="1" destOrd="0" presId="urn:microsoft.com/office/officeart/2005/8/layout/gear1"/>
     <dgm:cxn modelId="{6DD7F6EE-32AB-C743-83CF-70DDFA6BA678}" type="presOf" srcId="{5AF1D3F0-C035-A840-B1D6-57F913F0793E}" destId="{3148B80F-8E32-9040-A1D5-FA5092FBD6B7}" srcOrd="1" destOrd="0" presId="urn:microsoft.com/office/officeart/2005/8/layout/gear1"/>
     <dgm:cxn modelId="{DE533349-FA45-F142-97DD-D5BD139BDF9C}" type="presOf" srcId="{5AF1D3F0-C035-A840-B1D6-57F913F0793E}" destId="{428B4109-832A-0F4B-9DC6-F862D4F7C18A}" srcOrd="2" destOrd="0" presId="urn:microsoft.com/office/officeart/2005/8/layout/gear1"/>
-    <dgm:cxn modelId="{9608901C-3E3E-B94C-A2C0-D7A18B3DD421}" type="presOf" srcId="{F73B51DC-8BA9-8E4F-B3C5-A590BB75DEC9}" destId="{370DBBC7-1F18-6A44-893A-E515025C135D}" srcOrd="2" destOrd="0" presId="urn:microsoft.com/office/officeart/2005/8/layout/gear1"/>
-    <dgm:cxn modelId="{413664F8-ED34-0544-9E9F-CC9B43E84C6B}" srcId="{982BD068-6D3A-C14B-B3E3-71EF06FC4B5D}" destId="{5AF1D3F0-C035-A840-B1D6-57F913F0793E}" srcOrd="1" destOrd="0" parTransId="{1DE18BC9-F2D7-6B43-BD4B-AE9FA7AAE8A2}" sibTransId="{E31B755E-BD87-864B-8F45-84C13EEE8687}"/>
-    <dgm:cxn modelId="{796D49CB-D018-1E4F-B560-8110D6E0370B}" type="presOf" srcId="{027D5E1B-72D9-BB4C-8E87-4D6C9F221531}" destId="{642F1318-C281-7643-993C-BEFA6351506E}" srcOrd="0" destOrd="0" presId="urn:microsoft.com/office/officeart/2005/8/layout/gear1"/>
     <dgm:cxn modelId="{B7A1B6A8-C62D-E640-B557-97E35A810C84}" type="presParOf" srcId="{14307530-A896-6843-A155-A0167B422032}" destId="{3BE28C13-2FCC-524B-AC1F-2882531BDF07}" srcOrd="0" destOrd="0" presId="urn:microsoft.com/office/officeart/2005/8/layout/gear1"/>
     <dgm:cxn modelId="{41416E06-BBE2-0D4F-B9AA-950796067FB5}" type="presParOf" srcId="{14307530-A896-6843-A155-A0167B422032}" destId="{5EE99F2B-BF51-AB46-83DA-F3D948400E6C}" srcOrd="1" destOrd="0" presId="urn:microsoft.com/office/officeart/2005/8/layout/gear1"/>
     <dgm:cxn modelId="{155F7AAE-602F-1943-97B5-D0E586B33BD1}" type="presParOf" srcId="{14307530-A896-6843-A155-A0167B422032}" destId="{370DBBC7-1F18-6A44-893A-E515025C135D}" srcOrd="2" destOrd="0" presId="urn:microsoft.com/office/officeart/2005/8/layout/gear1"/>
@@ -19537,7 +19695,7 @@
               <a:pPr>
                 <a:defRPr/>
               </a:pPr>
-              <a:t>21-03-2010</a:t>
+              <a:t>23-03-2010</a:t>
             </a:fld>
             <a:endParaRPr/>
           </a:p>
@@ -19751,7 +19909,7 @@
               <a:pPr>
                 <a:defRPr/>
               </a:pPr>
-              <a:t>21-03-2010</a:t>
+              <a:t>23-03-2010</a:t>
             </a:fld>
             <a:endParaRPr/>
           </a:p>
@@ -20190,6 +20348,1082 @@
                 <a:defRPr/>
               </a:pPr>
               <a:t>1</a:t>
+            </a:fld>
+            <a:endParaRPr smtClean="0">
+              <a:cs typeface="Arial" charset="0"/>
+            </a:endParaRPr>
+          </a:p>
+        </p:txBody>
+      </p:sp>
+    </p:spTree>
+  </p:cSld>
+  <p:clrMapOvr>
+    <a:masterClrMapping/>
+  </p:clrMapOvr>
+</p:notes>
+</file>
+
+<file path=ppt/notesSlides/notesSlide10.xml><?xml version="1.0" encoding="utf-8"?>
+<p:notes xmlns:a="http://schemas.openxmlformats.org/drawingml/2006/main" xmlns:r="http://schemas.openxmlformats.org/officeDocument/2006/relationships" xmlns:mc="http://schemas.openxmlformats.org/markup-compatibility/2006" xmlns:mv="urn:schemas-microsoft-com:mac:vml" xmlns:p="http://schemas.openxmlformats.org/presentationml/2006/main" mc:Ignorable="mv" mc:PreserveAttributes="mv:*">
+  <p:cSld>
+    <p:spTree>
+      <p:nvGrpSpPr>
+        <p:cNvPr id="1" name=""/>
+        <p:cNvGrpSpPr/>
+        <p:nvPr/>
+      </p:nvGrpSpPr>
+      <p:grpSpPr>
+        <a:xfrm>
+          <a:off x="0" y="0"/>
+          <a:ext cx="0" cy="0"/>
+          <a:chOff x="0" y="0"/>
+          <a:chExt cx="0" cy="0"/>
+        </a:xfrm>
+      </p:grpSpPr>
+      <p:sp>
+        <p:nvSpPr>
+          <p:cNvPr id="31745" name="Slide Image Placeholder 1"/>
+          <p:cNvSpPr>
+            <a:spLocks noGrp="1" noRot="1" noChangeAspect="1"/>
+          </p:cNvSpPr>
+          <p:nvPr>
+            <p:ph type="sldImg"/>
+          </p:nvPr>
+        </p:nvSpPr>
+        <p:spPr bwMode="auto">
+          <a:noFill/>
+          <a:ln>
+            <a:solidFill>
+              <a:srgbClr val="000000"/>
+            </a:solidFill>
+            <a:miter lim="800000"/>
+            <a:headEnd/>
+            <a:tailEnd/>
+          </a:ln>
+        </p:spPr>
+      </p:sp>
+      <p:sp>
+        <p:nvSpPr>
+          <p:cNvPr id="31746" name="Notes Placeholder 2"/>
+          <p:cNvSpPr>
+            <a:spLocks noGrp="1"/>
+          </p:cNvSpPr>
+          <p:nvPr>
+            <p:ph type="body" idx="1"/>
+          </p:nvPr>
+        </p:nvSpPr>
+        <p:spPr bwMode="auto">
+          <a:noFill/>
+        </p:spPr>
+        <p:txBody>
+          <a:bodyPr wrap="square" lIns="91440" tIns="45720" rIns="91440" bIns="45720" numCol="1" anchor="t" anchorCtr="0" compatLnSpc="1">
+            <a:prstTxWarp prst="textNoShape">
+              <a:avLst/>
+            </a:prstTxWarp>
+          </a:bodyPr>
+          <a:lstStyle/>
+          <a:p>
+            <a:pPr eaLnBrk="1" hangingPunct="1">
+              <a:spcBef>
+                <a:spcPct val="0"/>
+              </a:spcBef>
+            </a:pPr>
+            <a:r>
+              <a:rPr lang="nl-NL" sz="1200" b="0" i="0" u="none" strike="noStrike" kern="1200" dirty="0" smtClean="0">
+                <a:solidFill>
+                  <a:schemeClr val="tx1"/>
+                </a:solidFill>
+                <a:latin typeface="+mn-lt"/>
+                <a:ea typeface="+mn-ea"/>
+                <a:cs typeface="+mn-cs"/>
+              </a:rPr>
+              <a:t>Tips:</a:t>
+            </a:r>
+          </a:p>
+          <a:p>
+            <a:pPr eaLnBrk="1" hangingPunct="1">
+              <a:spcBef>
+                <a:spcPct val="0"/>
+              </a:spcBef>
+              <a:buFont typeface="Arial"/>
+              <a:buChar char="•"/>
+            </a:pPr>
+            <a:r>
+              <a:rPr lang="nl-NL" sz="1200" b="0" i="0" u="none" strike="noStrike" kern="1200" dirty="0" smtClean="0">
+                <a:solidFill>
+                  <a:schemeClr val="tx1"/>
+                </a:solidFill>
+                <a:latin typeface="+mn-lt"/>
+                <a:ea typeface="+mn-ea"/>
+                <a:cs typeface="+mn-cs"/>
+              </a:rPr>
+              <a:t>Als de Elementengalerie niet zichtbaar is, klikt u op </a:t>
+            </a:r>
+            <a:r>
+              <a:rPr lang="nl-NL" sz="1200" b="1" i="0" u="none" strike="noStrike" kern="1200" dirty="0" smtClean="0">
+                <a:solidFill>
+                  <a:schemeClr val="tx1"/>
+                </a:solidFill>
+                <a:latin typeface="+mn-lt"/>
+                <a:ea typeface="+mn-ea"/>
+                <a:cs typeface="+mn-cs"/>
+              </a:rPr>
+              <a:t>Beeld</a:t>
+            </a:r>
+            <a:r>
+              <a:rPr lang="nl-NL" sz="1200" b="0" i="0" u="none" strike="noStrike" kern="1200" dirty="0" smtClean="0">
+                <a:solidFill>
+                  <a:schemeClr val="tx1"/>
+                </a:solidFill>
+                <a:latin typeface="+mn-lt"/>
+                <a:ea typeface="+mn-ea"/>
+                <a:cs typeface="+mn-cs"/>
+              </a:rPr>
+              <a:t> &gt; </a:t>
+            </a:r>
+            <a:r>
+              <a:rPr lang="nl-NL" sz="1200" b="1" i="0" u="none" strike="noStrike" kern="1200" dirty="0" smtClean="0">
+                <a:solidFill>
+                  <a:schemeClr val="tx1"/>
+                </a:solidFill>
+                <a:latin typeface="+mn-lt"/>
+                <a:ea typeface="+mn-ea"/>
+                <a:cs typeface="+mn-cs"/>
+              </a:rPr>
+              <a:t>Elementengalerie</a:t>
+            </a:r>
+            <a:r>
+              <a:rPr lang="nl-NL" sz="1200" b="0" i="0" u="none" strike="noStrike" kern="1200" dirty="0" smtClean="0">
+                <a:solidFill>
+                  <a:schemeClr val="tx1"/>
+                </a:solidFill>
+                <a:latin typeface="+mn-lt"/>
+                <a:ea typeface="+mn-ea"/>
+                <a:cs typeface="+mn-cs"/>
+              </a:rPr>
+              <a:t>.</a:t>
+            </a:r>
+          </a:p>
+          <a:p>
+            <a:pPr eaLnBrk="1" hangingPunct="1">
+              <a:spcBef>
+                <a:spcPct val="0"/>
+              </a:spcBef>
+              <a:buFont typeface="Arial"/>
+              <a:buChar char="•"/>
+            </a:pPr>
+            <a:r>
+              <a:rPr lang="nl-NL" sz="1200" b="0" i="0" u="none" strike="noStrike" kern="1200" dirty="0" smtClean="0">
+                <a:solidFill>
+                  <a:schemeClr val="tx1"/>
+                </a:solidFill>
+                <a:latin typeface="+mn-lt"/>
+                <a:ea typeface="+mn-ea"/>
+                <a:cs typeface="+mn-cs"/>
+              </a:rPr>
+              <a:t>Houd de aanwijzer boven de miniatuur van een dia-indeling in de </a:t>
+            </a:r>
+            <a:r>
+              <a:rPr lang="nl-NL" sz="1200" b="1" i="0" u="none" strike="noStrike" kern="1200" dirty="0" smtClean="0">
+                <a:solidFill>
+                  <a:schemeClr val="tx1"/>
+                </a:solidFill>
+                <a:latin typeface="+mn-lt"/>
+                <a:ea typeface="+mn-ea"/>
+                <a:cs typeface="+mn-cs"/>
+              </a:rPr>
+              <a:t>Elementengalerie</a:t>
+            </a:r>
+            <a:r>
+              <a:rPr lang="nl-NL" sz="1200" b="0" i="0" u="none" strike="noStrike" kern="1200" dirty="0" smtClean="0">
+                <a:solidFill>
+                  <a:schemeClr val="tx1"/>
+                </a:solidFill>
+                <a:latin typeface="+mn-lt"/>
+                <a:ea typeface="+mn-ea"/>
+                <a:cs typeface="+mn-cs"/>
+              </a:rPr>
+              <a:t> om een beschrijving ervan te zien.</a:t>
+            </a:r>
+          </a:p>
+          <a:p>
+            <a:pPr eaLnBrk="1" hangingPunct="1">
+              <a:spcBef>
+                <a:spcPct val="0"/>
+              </a:spcBef>
+              <a:buFont typeface="Arial"/>
+              <a:buChar char="•"/>
+            </a:pPr>
+            <a:r>
+              <a:rPr lang="nl-NL" sz="1200" b="0" i="0" u="none" strike="noStrike" kern="1200" dirty="0" smtClean="0">
+                <a:solidFill>
+                  <a:schemeClr val="tx1"/>
+                </a:solidFill>
+                <a:latin typeface="+mn-lt"/>
+                <a:ea typeface="+mn-ea"/>
+                <a:cs typeface="+mn-cs"/>
+              </a:rPr>
+              <a:t>Knoppen met tijdelijke aanduidingen geven het soort object aan dat u kunt toevoegen, bijvoorbeeld een afbeelding, tabel of grafiek.</a:t>
+            </a:r>
+            <a:endParaRPr dirty="0" smtClean="0"/>
+          </a:p>
+        </p:txBody>
+      </p:sp>
+      <p:sp>
+        <p:nvSpPr>
+          <p:cNvPr id="31747" name="Slide Number Placeholder 3"/>
+          <p:cNvSpPr>
+            <a:spLocks noGrp="1"/>
+          </p:cNvSpPr>
+          <p:nvPr>
+            <p:ph type="sldNum" sz="quarter" idx="5"/>
+          </p:nvPr>
+        </p:nvSpPr>
+        <p:spPr bwMode="auto">
+          <a:ln>
+            <a:miter lim="800000"/>
+            <a:headEnd/>
+            <a:tailEnd/>
+          </a:ln>
+        </p:spPr>
+        <p:txBody>
+          <a:bodyPr wrap="square" lIns="91440" tIns="45720" rIns="91440" bIns="45720" numCol="1" anchorCtr="0" compatLnSpc="1">
+            <a:prstTxWarp prst="textNoShape">
+              <a:avLst/>
+            </a:prstTxWarp>
+          </a:bodyPr>
+          <a:lstStyle/>
+          <a:p>
+            <a:pPr fontAlgn="base">
+              <a:spcBef>
+                <a:spcPct val="0"/>
+              </a:spcBef>
+              <a:spcAft>
+                <a:spcPct val="0"/>
+              </a:spcAft>
+              <a:defRPr/>
+            </a:pPr>
+            <a:fld id="{8D529EA0-78B4-4AD0-ABA6-B7F540252F6C}" type="slidenum">
+              <a:rPr smtClean="0">
+                <a:cs typeface="Arial" charset="0"/>
+              </a:rPr>
+              <a:pPr fontAlgn="base">
+                <a:spcBef>
+                  <a:spcPct val="0"/>
+                </a:spcBef>
+                <a:spcAft>
+                  <a:spcPct val="0"/>
+                </a:spcAft>
+                <a:defRPr/>
+              </a:pPr>
+              <a:t>13</a:t>
+            </a:fld>
+            <a:endParaRPr smtClean="0">
+              <a:cs typeface="Arial" charset="0"/>
+            </a:endParaRPr>
+          </a:p>
+        </p:txBody>
+      </p:sp>
+    </p:spTree>
+  </p:cSld>
+  <p:clrMapOvr>
+    <a:masterClrMapping/>
+  </p:clrMapOvr>
+</p:notes>
+</file>
+
+<file path=ppt/notesSlides/notesSlide11.xml><?xml version="1.0" encoding="utf-8"?>
+<p:notes xmlns:a="http://schemas.openxmlformats.org/drawingml/2006/main" xmlns:r="http://schemas.openxmlformats.org/officeDocument/2006/relationships" xmlns:mc="http://schemas.openxmlformats.org/markup-compatibility/2006" xmlns:mv="urn:schemas-microsoft-com:mac:vml" xmlns:p="http://schemas.openxmlformats.org/presentationml/2006/main" mc:Ignorable="mv" mc:PreserveAttributes="mv:*">
+  <p:cSld>
+    <p:spTree>
+      <p:nvGrpSpPr>
+        <p:cNvPr id="1" name=""/>
+        <p:cNvGrpSpPr/>
+        <p:nvPr/>
+      </p:nvGrpSpPr>
+      <p:grpSpPr>
+        <a:xfrm>
+          <a:off x="0" y="0"/>
+          <a:ext cx="0" cy="0"/>
+          <a:chOff x="0" y="0"/>
+          <a:chExt cx="0" cy="0"/>
+        </a:xfrm>
+      </p:grpSpPr>
+      <p:sp>
+        <p:nvSpPr>
+          <p:cNvPr id="31745" name="Slide Image Placeholder 1"/>
+          <p:cNvSpPr>
+            <a:spLocks noGrp="1" noRot="1" noChangeAspect="1"/>
+          </p:cNvSpPr>
+          <p:nvPr>
+            <p:ph type="sldImg"/>
+          </p:nvPr>
+        </p:nvSpPr>
+        <p:spPr bwMode="auto">
+          <a:noFill/>
+          <a:ln>
+            <a:solidFill>
+              <a:srgbClr val="000000"/>
+            </a:solidFill>
+            <a:miter lim="800000"/>
+            <a:headEnd/>
+            <a:tailEnd/>
+          </a:ln>
+        </p:spPr>
+      </p:sp>
+      <p:sp>
+        <p:nvSpPr>
+          <p:cNvPr id="31746" name="Notes Placeholder 2"/>
+          <p:cNvSpPr>
+            <a:spLocks noGrp="1"/>
+          </p:cNvSpPr>
+          <p:nvPr>
+            <p:ph type="body" idx="1"/>
+          </p:nvPr>
+        </p:nvSpPr>
+        <p:spPr bwMode="auto">
+          <a:noFill/>
+        </p:spPr>
+        <p:txBody>
+          <a:bodyPr wrap="square" lIns="91440" tIns="45720" rIns="91440" bIns="45720" numCol="1" anchor="t" anchorCtr="0" compatLnSpc="1">
+            <a:prstTxWarp prst="textNoShape">
+              <a:avLst/>
+            </a:prstTxWarp>
+          </a:bodyPr>
+          <a:lstStyle/>
+          <a:p>
+            <a:pPr eaLnBrk="1" hangingPunct="1">
+              <a:spcBef>
+                <a:spcPct val="0"/>
+              </a:spcBef>
+            </a:pPr>
+            <a:r>
+              <a:rPr lang="nl-NL" sz="1200" b="0" i="0" u="none" strike="noStrike" kern="1200" dirty="0" smtClean="0">
+                <a:solidFill>
+                  <a:schemeClr val="tx1"/>
+                </a:solidFill>
+                <a:latin typeface="+mn-lt"/>
+                <a:ea typeface="+mn-ea"/>
+                <a:cs typeface="+mn-cs"/>
+              </a:rPr>
+              <a:t>Tips:</a:t>
+            </a:r>
+          </a:p>
+          <a:p>
+            <a:pPr eaLnBrk="1" hangingPunct="1">
+              <a:spcBef>
+                <a:spcPct val="0"/>
+              </a:spcBef>
+              <a:buFont typeface="Arial"/>
+              <a:buChar char="•"/>
+            </a:pPr>
+            <a:r>
+              <a:rPr lang="nl-NL" sz="1200" b="0" i="0" u="none" strike="noStrike" kern="1200" dirty="0" smtClean="0">
+                <a:solidFill>
+                  <a:schemeClr val="tx1"/>
+                </a:solidFill>
+                <a:latin typeface="+mn-lt"/>
+                <a:ea typeface="+mn-ea"/>
+                <a:cs typeface="+mn-cs"/>
+              </a:rPr>
+              <a:t>Als de Elementengalerie niet zichtbaar is, klikt u op </a:t>
+            </a:r>
+            <a:r>
+              <a:rPr lang="nl-NL" sz="1200" b="1" i="0" u="none" strike="noStrike" kern="1200" dirty="0" smtClean="0">
+                <a:solidFill>
+                  <a:schemeClr val="tx1"/>
+                </a:solidFill>
+                <a:latin typeface="+mn-lt"/>
+                <a:ea typeface="+mn-ea"/>
+                <a:cs typeface="+mn-cs"/>
+              </a:rPr>
+              <a:t>Beeld</a:t>
+            </a:r>
+            <a:r>
+              <a:rPr lang="nl-NL" sz="1200" b="0" i="0" u="none" strike="noStrike" kern="1200" dirty="0" smtClean="0">
+                <a:solidFill>
+                  <a:schemeClr val="tx1"/>
+                </a:solidFill>
+                <a:latin typeface="+mn-lt"/>
+                <a:ea typeface="+mn-ea"/>
+                <a:cs typeface="+mn-cs"/>
+              </a:rPr>
+              <a:t> &gt; </a:t>
+            </a:r>
+            <a:r>
+              <a:rPr lang="nl-NL" sz="1200" b="1" i="0" u="none" strike="noStrike" kern="1200" dirty="0" smtClean="0">
+                <a:solidFill>
+                  <a:schemeClr val="tx1"/>
+                </a:solidFill>
+                <a:latin typeface="+mn-lt"/>
+                <a:ea typeface="+mn-ea"/>
+                <a:cs typeface="+mn-cs"/>
+              </a:rPr>
+              <a:t>Elementengalerie</a:t>
+            </a:r>
+            <a:r>
+              <a:rPr lang="nl-NL" sz="1200" b="0" i="0" u="none" strike="noStrike" kern="1200" dirty="0" smtClean="0">
+                <a:solidFill>
+                  <a:schemeClr val="tx1"/>
+                </a:solidFill>
+                <a:latin typeface="+mn-lt"/>
+                <a:ea typeface="+mn-ea"/>
+                <a:cs typeface="+mn-cs"/>
+              </a:rPr>
+              <a:t>.</a:t>
+            </a:r>
+          </a:p>
+          <a:p>
+            <a:pPr eaLnBrk="1" hangingPunct="1">
+              <a:spcBef>
+                <a:spcPct val="0"/>
+              </a:spcBef>
+              <a:buFont typeface="Arial"/>
+              <a:buChar char="•"/>
+            </a:pPr>
+            <a:r>
+              <a:rPr lang="nl-NL" sz="1200" b="0" i="0" u="none" strike="noStrike" kern="1200" dirty="0" smtClean="0">
+                <a:solidFill>
+                  <a:schemeClr val="tx1"/>
+                </a:solidFill>
+                <a:latin typeface="+mn-lt"/>
+                <a:ea typeface="+mn-ea"/>
+                <a:cs typeface="+mn-cs"/>
+              </a:rPr>
+              <a:t>Houd de aanwijzer boven de miniatuur van een dia-indeling in de </a:t>
+            </a:r>
+            <a:r>
+              <a:rPr lang="nl-NL" sz="1200" b="1" i="0" u="none" strike="noStrike" kern="1200" dirty="0" smtClean="0">
+                <a:solidFill>
+                  <a:schemeClr val="tx1"/>
+                </a:solidFill>
+                <a:latin typeface="+mn-lt"/>
+                <a:ea typeface="+mn-ea"/>
+                <a:cs typeface="+mn-cs"/>
+              </a:rPr>
+              <a:t>Elementengalerie</a:t>
+            </a:r>
+            <a:r>
+              <a:rPr lang="nl-NL" sz="1200" b="0" i="0" u="none" strike="noStrike" kern="1200" dirty="0" smtClean="0">
+                <a:solidFill>
+                  <a:schemeClr val="tx1"/>
+                </a:solidFill>
+                <a:latin typeface="+mn-lt"/>
+                <a:ea typeface="+mn-ea"/>
+                <a:cs typeface="+mn-cs"/>
+              </a:rPr>
+              <a:t> om een beschrijving ervan te zien.</a:t>
+            </a:r>
+          </a:p>
+          <a:p>
+            <a:pPr eaLnBrk="1" hangingPunct="1">
+              <a:spcBef>
+                <a:spcPct val="0"/>
+              </a:spcBef>
+              <a:buFont typeface="Arial"/>
+              <a:buChar char="•"/>
+            </a:pPr>
+            <a:r>
+              <a:rPr lang="nl-NL" sz="1200" b="0" i="0" u="none" strike="noStrike" kern="1200" dirty="0" smtClean="0">
+                <a:solidFill>
+                  <a:schemeClr val="tx1"/>
+                </a:solidFill>
+                <a:latin typeface="+mn-lt"/>
+                <a:ea typeface="+mn-ea"/>
+                <a:cs typeface="+mn-cs"/>
+              </a:rPr>
+              <a:t>Knoppen met tijdelijke aanduidingen geven het soort object aan dat u kunt toevoegen, bijvoorbeeld een afbeelding, tabel of grafiek.</a:t>
+            </a:r>
+            <a:endParaRPr dirty="0" smtClean="0"/>
+          </a:p>
+        </p:txBody>
+      </p:sp>
+      <p:sp>
+        <p:nvSpPr>
+          <p:cNvPr id="31747" name="Slide Number Placeholder 3"/>
+          <p:cNvSpPr>
+            <a:spLocks noGrp="1"/>
+          </p:cNvSpPr>
+          <p:nvPr>
+            <p:ph type="sldNum" sz="quarter" idx="5"/>
+          </p:nvPr>
+        </p:nvSpPr>
+        <p:spPr bwMode="auto">
+          <a:ln>
+            <a:miter lim="800000"/>
+            <a:headEnd/>
+            <a:tailEnd/>
+          </a:ln>
+        </p:spPr>
+        <p:txBody>
+          <a:bodyPr wrap="square" lIns="91440" tIns="45720" rIns="91440" bIns="45720" numCol="1" anchorCtr="0" compatLnSpc="1">
+            <a:prstTxWarp prst="textNoShape">
+              <a:avLst/>
+            </a:prstTxWarp>
+          </a:bodyPr>
+          <a:lstStyle/>
+          <a:p>
+            <a:pPr fontAlgn="base">
+              <a:spcBef>
+                <a:spcPct val="0"/>
+              </a:spcBef>
+              <a:spcAft>
+                <a:spcPct val="0"/>
+              </a:spcAft>
+              <a:defRPr/>
+            </a:pPr>
+            <a:fld id="{8D529EA0-78B4-4AD0-ABA6-B7F540252F6C}" type="slidenum">
+              <a:rPr smtClean="0">
+                <a:cs typeface="Arial" charset="0"/>
+              </a:rPr>
+              <a:pPr fontAlgn="base">
+                <a:spcBef>
+                  <a:spcPct val="0"/>
+                </a:spcBef>
+                <a:spcAft>
+                  <a:spcPct val="0"/>
+                </a:spcAft>
+                <a:defRPr/>
+              </a:pPr>
+              <a:t>15</a:t>
+            </a:fld>
+            <a:endParaRPr smtClean="0">
+              <a:cs typeface="Arial" charset="0"/>
+            </a:endParaRPr>
+          </a:p>
+        </p:txBody>
+      </p:sp>
+    </p:spTree>
+  </p:cSld>
+  <p:clrMapOvr>
+    <a:masterClrMapping/>
+  </p:clrMapOvr>
+</p:notes>
+</file>
+
+<file path=ppt/notesSlides/notesSlide12.xml><?xml version="1.0" encoding="utf-8"?>
+<p:notes xmlns:a="http://schemas.openxmlformats.org/drawingml/2006/main" xmlns:r="http://schemas.openxmlformats.org/officeDocument/2006/relationships" xmlns:mc="http://schemas.openxmlformats.org/markup-compatibility/2006" xmlns:mv="urn:schemas-microsoft-com:mac:vml" xmlns:p="http://schemas.openxmlformats.org/presentationml/2006/main" mc:Ignorable="mv" mc:PreserveAttributes="mv:*">
+  <p:cSld>
+    <p:spTree>
+      <p:nvGrpSpPr>
+        <p:cNvPr id="1" name=""/>
+        <p:cNvGrpSpPr/>
+        <p:nvPr/>
+      </p:nvGrpSpPr>
+      <p:grpSpPr>
+        <a:xfrm>
+          <a:off x="0" y="0"/>
+          <a:ext cx="0" cy="0"/>
+          <a:chOff x="0" y="0"/>
+          <a:chExt cx="0" cy="0"/>
+        </a:xfrm>
+      </p:grpSpPr>
+      <p:sp>
+        <p:nvSpPr>
+          <p:cNvPr id="31745" name="Slide Image Placeholder 1"/>
+          <p:cNvSpPr>
+            <a:spLocks noGrp="1" noRot="1" noChangeAspect="1"/>
+          </p:cNvSpPr>
+          <p:nvPr>
+            <p:ph type="sldImg"/>
+          </p:nvPr>
+        </p:nvSpPr>
+        <p:spPr bwMode="auto">
+          <a:noFill/>
+          <a:ln>
+            <a:solidFill>
+              <a:srgbClr val="000000"/>
+            </a:solidFill>
+            <a:miter lim="800000"/>
+            <a:headEnd/>
+            <a:tailEnd/>
+          </a:ln>
+        </p:spPr>
+      </p:sp>
+      <p:sp>
+        <p:nvSpPr>
+          <p:cNvPr id="31746" name="Notes Placeholder 2"/>
+          <p:cNvSpPr>
+            <a:spLocks noGrp="1"/>
+          </p:cNvSpPr>
+          <p:nvPr>
+            <p:ph type="body" idx="1"/>
+          </p:nvPr>
+        </p:nvSpPr>
+        <p:spPr bwMode="auto">
+          <a:noFill/>
+        </p:spPr>
+        <p:txBody>
+          <a:bodyPr wrap="square" lIns="91440" tIns="45720" rIns="91440" bIns="45720" numCol="1" anchor="t" anchorCtr="0" compatLnSpc="1">
+            <a:prstTxWarp prst="textNoShape">
+              <a:avLst/>
+            </a:prstTxWarp>
+          </a:bodyPr>
+          <a:lstStyle/>
+          <a:p>
+            <a:pPr eaLnBrk="1" hangingPunct="1">
+              <a:spcBef>
+                <a:spcPct val="0"/>
+              </a:spcBef>
+            </a:pPr>
+            <a:r>
+              <a:rPr lang="nl-NL" sz="1200" b="0" i="0" u="none" strike="noStrike" kern="1200" dirty="0" smtClean="0">
+                <a:solidFill>
+                  <a:schemeClr val="tx1"/>
+                </a:solidFill>
+                <a:latin typeface="+mn-lt"/>
+                <a:ea typeface="+mn-ea"/>
+                <a:cs typeface="+mn-cs"/>
+              </a:rPr>
+              <a:t>Tips:</a:t>
+            </a:r>
+          </a:p>
+          <a:p>
+            <a:pPr eaLnBrk="1" hangingPunct="1">
+              <a:spcBef>
+                <a:spcPct val="0"/>
+              </a:spcBef>
+              <a:buFont typeface="Arial"/>
+              <a:buChar char="•"/>
+            </a:pPr>
+            <a:r>
+              <a:rPr lang="nl-NL" sz="1200" b="0" i="0" u="none" strike="noStrike" kern="1200" dirty="0" smtClean="0">
+                <a:solidFill>
+                  <a:schemeClr val="tx1"/>
+                </a:solidFill>
+                <a:latin typeface="+mn-lt"/>
+                <a:ea typeface="+mn-ea"/>
+                <a:cs typeface="+mn-cs"/>
+              </a:rPr>
+              <a:t>Als de Elementengalerie niet zichtbaar is, klikt u op </a:t>
+            </a:r>
+            <a:r>
+              <a:rPr lang="nl-NL" sz="1200" b="1" i="0" u="none" strike="noStrike" kern="1200" dirty="0" smtClean="0">
+                <a:solidFill>
+                  <a:schemeClr val="tx1"/>
+                </a:solidFill>
+                <a:latin typeface="+mn-lt"/>
+                <a:ea typeface="+mn-ea"/>
+                <a:cs typeface="+mn-cs"/>
+              </a:rPr>
+              <a:t>Beeld</a:t>
+            </a:r>
+            <a:r>
+              <a:rPr lang="nl-NL" sz="1200" b="0" i="0" u="none" strike="noStrike" kern="1200" dirty="0" smtClean="0">
+                <a:solidFill>
+                  <a:schemeClr val="tx1"/>
+                </a:solidFill>
+                <a:latin typeface="+mn-lt"/>
+                <a:ea typeface="+mn-ea"/>
+                <a:cs typeface="+mn-cs"/>
+              </a:rPr>
+              <a:t> &gt; </a:t>
+            </a:r>
+            <a:r>
+              <a:rPr lang="nl-NL" sz="1200" b="1" i="0" u="none" strike="noStrike" kern="1200" dirty="0" smtClean="0">
+                <a:solidFill>
+                  <a:schemeClr val="tx1"/>
+                </a:solidFill>
+                <a:latin typeface="+mn-lt"/>
+                <a:ea typeface="+mn-ea"/>
+                <a:cs typeface="+mn-cs"/>
+              </a:rPr>
+              <a:t>Elementengalerie</a:t>
+            </a:r>
+            <a:r>
+              <a:rPr lang="nl-NL" sz="1200" b="0" i="0" u="none" strike="noStrike" kern="1200" dirty="0" smtClean="0">
+                <a:solidFill>
+                  <a:schemeClr val="tx1"/>
+                </a:solidFill>
+                <a:latin typeface="+mn-lt"/>
+                <a:ea typeface="+mn-ea"/>
+                <a:cs typeface="+mn-cs"/>
+              </a:rPr>
+              <a:t>.</a:t>
+            </a:r>
+          </a:p>
+          <a:p>
+            <a:pPr eaLnBrk="1" hangingPunct="1">
+              <a:spcBef>
+                <a:spcPct val="0"/>
+              </a:spcBef>
+              <a:buFont typeface="Arial"/>
+              <a:buChar char="•"/>
+            </a:pPr>
+            <a:r>
+              <a:rPr lang="nl-NL" sz="1200" b="0" i="0" u="none" strike="noStrike" kern="1200" dirty="0" smtClean="0">
+                <a:solidFill>
+                  <a:schemeClr val="tx1"/>
+                </a:solidFill>
+                <a:latin typeface="+mn-lt"/>
+                <a:ea typeface="+mn-ea"/>
+                <a:cs typeface="+mn-cs"/>
+              </a:rPr>
+              <a:t>Houd de aanwijzer boven de miniatuur van een dia-indeling in de </a:t>
+            </a:r>
+            <a:r>
+              <a:rPr lang="nl-NL" sz="1200" b="1" i="0" u="none" strike="noStrike" kern="1200" dirty="0" smtClean="0">
+                <a:solidFill>
+                  <a:schemeClr val="tx1"/>
+                </a:solidFill>
+                <a:latin typeface="+mn-lt"/>
+                <a:ea typeface="+mn-ea"/>
+                <a:cs typeface="+mn-cs"/>
+              </a:rPr>
+              <a:t>Elementengalerie</a:t>
+            </a:r>
+            <a:r>
+              <a:rPr lang="nl-NL" sz="1200" b="0" i="0" u="none" strike="noStrike" kern="1200" dirty="0" smtClean="0">
+                <a:solidFill>
+                  <a:schemeClr val="tx1"/>
+                </a:solidFill>
+                <a:latin typeface="+mn-lt"/>
+                <a:ea typeface="+mn-ea"/>
+                <a:cs typeface="+mn-cs"/>
+              </a:rPr>
+              <a:t> om een beschrijving ervan te zien.</a:t>
+            </a:r>
+          </a:p>
+          <a:p>
+            <a:pPr eaLnBrk="1" hangingPunct="1">
+              <a:spcBef>
+                <a:spcPct val="0"/>
+              </a:spcBef>
+              <a:buFont typeface="Arial"/>
+              <a:buChar char="•"/>
+            </a:pPr>
+            <a:r>
+              <a:rPr lang="nl-NL" sz="1200" b="0" i="0" u="none" strike="noStrike" kern="1200" dirty="0" smtClean="0">
+                <a:solidFill>
+                  <a:schemeClr val="tx1"/>
+                </a:solidFill>
+                <a:latin typeface="+mn-lt"/>
+                <a:ea typeface="+mn-ea"/>
+                <a:cs typeface="+mn-cs"/>
+              </a:rPr>
+              <a:t>Knoppen met tijdelijke aanduidingen geven het soort object aan dat u kunt toevoegen, bijvoorbeeld een afbeelding, tabel of grafiek.</a:t>
+            </a:r>
+            <a:endParaRPr dirty="0" smtClean="0"/>
+          </a:p>
+        </p:txBody>
+      </p:sp>
+      <p:sp>
+        <p:nvSpPr>
+          <p:cNvPr id="31747" name="Slide Number Placeholder 3"/>
+          <p:cNvSpPr>
+            <a:spLocks noGrp="1"/>
+          </p:cNvSpPr>
+          <p:nvPr>
+            <p:ph type="sldNum" sz="quarter" idx="5"/>
+          </p:nvPr>
+        </p:nvSpPr>
+        <p:spPr bwMode="auto">
+          <a:ln>
+            <a:miter lim="800000"/>
+            <a:headEnd/>
+            <a:tailEnd/>
+          </a:ln>
+        </p:spPr>
+        <p:txBody>
+          <a:bodyPr wrap="square" lIns="91440" tIns="45720" rIns="91440" bIns="45720" numCol="1" anchorCtr="0" compatLnSpc="1">
+            <a:prstTxWarp prst="textNoShape">
+              <a:avLst/>
+            </a:prstTxWarp>
+          </a:bodyPr>
+          <a:lstStyle/>
+          <a:p>
+            <a:pPr fontAlgn="base">
+              <a:spcBef>
+                <a:spcPct val="0"/>
+              </a:spcBef>
+              <a:spcAft>
+                <a:spcPct val="0"/>
+              </a:spcAft>
+              <a:defRPr/>
+            </a:pPr>
+            <a:fld id="{8D529EA0-78B4-4AD0-ABA6-B7F540252F6C}" type="slidenum">
+              <a:rPr smtClean="0">
+                <a:cs typeface="Arial" charset="0"/>
+              </a:rPr>
+              <a:pPr fontAlgn="base">
+                <a:spcBef>
+                  <a:spcPct val="0"/>
+                </a:spcBef>
+                <a:spcAft>
+                  <a:spcPct val="0"/>
+                </a:spcAft>
+                <a:defRPr/>
+              </a:pPr>
+              <a:t>16</a:t>
+            </a:fld>
+            <a:endParaRPr smtClean="0">
+              <a:cs typeface="Arial" charset="0"/>
+            </a:endParaRPr>
+          </a:p>
+        </p:txBody>
+      </p:sp>
+    </p:spTree>
+  </p:cSld>
+  <p:clrMapOvr>
+    <a:masterClrMapping/>
+  </p:clrMapOvr>
+</p:notes>
+</file>
+
+<file path=ppt/notesSlides/notesSlide13.xml><?xml version="1.0" encoding="utf-8"?>
+<p:notes xmlns:a="http://schemas.openxmlformats.org/drawingml/2006/main" xmlns:r="http://schemas.openxmlformats.org/officeDocument/2006/relationships" xmlns:mc="http://schemas.openxmlformats.org/markup-compatibility/2006" xmlns:mv="urn:schemas-microsoft-com:mac:vml" xmlns:p="http://schemas.openxmlformats.org/presentationml/2006/main" mc:Ignorable="mv" mc:PreserveAttributes="mv:*">
+  <p:cSld>
+    <p:spTree>
+      <p:nvGrpSpPr>
+        <p:cNvPr id="1" name=""/>
+        <p:cNvGrpSpPr/>
+        <p:nvPr/>
+      </p:nvGrpSpPr>
+      <p:grpSpPr>
+        <a:xfrm>
+          <a:off x="0" y="0"/>
+          <a:ext cx="0" cy="0"/>
+          <a:chOff x="0" y="0"/>
+          <a:chExt cx="0" cy="0"/>
+        </a:xfrm>
+      </p:grpSpPr>
+      <p:sp>
+        <p:nvSpPr>
+          <p:cNvPr id="31745" name="Slide Image Placeholder 1"/>
+          <p:cNvSpPr>
+            <a:spLocks noGrp="1" noRot="1" noChangeAspect="1"/>
+          </p:cNvSpPr>
+          <p:nvPr>
+            <p:ph type="sldImg"/>
+          </p:nvPr>
+        </p:nvSpPr>
+        <p:spPr bwMode="auto">
+          <a:noFill/>
+          <a:ln>
+            <a:solidFill>
+              <a:srgbClr val="000000"/>
+            </a:solidFill>
+            <a:miter lim="800000"/>
+            <a:headEnd/>
+            <a:tailEnd/>
+          </a:ln>
+        </p:spPr>
+      </p:sp>
+      <p:sp>
+        <p:nvSpPr>
+          <p:cNvPr id="31746" name="Notes Placeholder 2"/>
+          <p:cNvSpPr>
+            <a:spLocks noGrp="1"/>
+          </p:cNvSpPr>
+          <p:nvPr>
+            <p:ph type="body" idx="1"/>
+          </p:nvPr>
+        </p:nvSpPr>
+        <p:spPr bwMode="auto">
+          <a:noFill/>
+        </p:spPr>
+        <p:txBody>
+          <a:bodyPr wrap="square" lIns="91440" tIns="45720" rIns="91440" bIns="45720" numCol="1" anchor="t" anchorCtr="0" compatLnSpc="1">
+            <a:prstTxWarp prst="textNoShape">
+              <a:avLst/>
+            </a:prstTxWarp>
+          </a:bodyPr>
+          <a:lstStyle/>
+          <a:p>
+            <a:pPr eaLnBrk="1" hangingPunct="1">
+              <a:spcBef>
+                <a:spcPct val="0"/>
+              </a:spcBef>
+            </a:pPr>
+            <a:r>
+              <a:rPr lang="nl-NL" sz="1200" b="0" i="0" u="none" strike="noStrike" kern="1200" dirty="0" smtClean="0">
+                <a:solidFill>
+                  <a:schemeClr val="tx1"/>
+                </a:solidFill>
+                <a:latin typeface="+mn-lt"/>
+                <a:ea typeface="+mn-ea"/>
+                <a:cs typeface="+mn-cs"/>
+              </a:rPr>
+              <a:t>Tips:</a:t>
+            </a:r>
+          </a:p>
+          <a:p>
+            <a:pPr eaLnBrk="1" hangingPunct="1">
+              <a:spcBef>
+                <a:spcPct val="0"/>
+              </a:spcBef>
+              <a:buFont typeface="Arial"/>
+              <a:buChar char="•"/>
+            </a:pPr>
+            <a:r>
+              <a:rPr lang="nl-NL" sz="1200" b="0" i="0" u="none" strike="noStrike" kern="1200" dirty="0" smtClean="0">
+                <a:solidFill>
+                  <a:schemeClr val="tx1"/>
+                </a:solidFill>
+                <a:latin typeface="+mn-lt"/>
+                <a:ea typeface="+mn-ea"/>
+                <a:cs typeface="+mn-cs"/>
+              </a:rPr>
+              <a:t>Als de Elementengalerie niet zichtbaar is, klikt u op </a:t>
+            </a:r>
+            <a:r>
+              <a:rPr lang="nl-NL" sz="1200" b="1" i="0" u="none" strike="noStrike" kern="1200" dirty="0" smtClean="0">
+                <a:solidFill>
+                  <a:schemeClr val="tx1"/>
+                </a:solidFill>
+                <a:latin typeface="+mn-lt"/>
+                <a:ea typeface="+mn-ea"/>
+                <a:cs typeface="+mn-cs"/>
+              </a:rPr>
+              <a:t>Beeld</a:t>
+            </a:r>
+            <a:r>
+              <a:rPr lang="nl-NL" sz="1200" b="0" i="0" u="none" strike="noStrike" kern="1200" dirty="0" smtClean="0">
+                <a:solidFill>
+                  <a:schemeClr val="tx1"/>
+                </a:solidFill>
+                <a:latin typeface="+mn-lt"/>
+                <a:ea typeface="+mn-ea"/>
+                <a:cs typeface="+mn-cs"/>
+              </a:rPr>
+              <a:t> &gt; </a:t>
+            </a:r>
+            <a:r>
+              <a:rPr lang="nl-NL" sz="1200" b="1" i="0" u="none" strike="noStrike" kern="1200" dirty="0" smtClean="0">
+                <a:solidFill>
+                  <a:schemeClr val="tx1"/>
+                </a:solidFill>
+                <a:latin typeface="+mn-lt"/>
+                <a:ea typeface="+mn-ea"/>
+                <a:cs typeface="+mn-cs"/>
+              </a:rPr>
+              <a:t>Elementengalerie</a:t>
+            </a:r>
+            <a:r>
+              <a:rPr lang="nl-NL" sz="1200" b="0" i="0" u="none" strike="noStrike" kern="1200" dirty="0" smtClean="0">
+                <a:solidFill>
+                  <a:schemeClr val="tx1"/>
+                </a:solidFill>
+                <a:latin typeface="+mn-lt"/>
+                <a:ea typeface="+mn-ea"/>
+                <a:cs typeface="+mn-cs"/>
+              </a:rPr>
+              <a:t>.</a:t>
+            </a:r>
+          </a:p>
+          <a:p>
+            <a:pPr eaLnBrk="1" hangingPunct="1">
+              <a:spcBef>
+                <a:spcPct val="0"/>
+              </a:spcBef>
+              <a:buFont typeface="Arial"/>
+              <a:buChar char="•"/>
+            </a:pPr>
+            <a:r>
+              <a:rPr lang="nl-NL" sz="1200" b="0" i="0" u="none" strike="noStrike" kern="1200" dirty="0" smtClean="0">
+                <a:solidFill>
+                  <a:schemeClr val="tx1"/>
+                </a:solidFill>
+                <a:latin typeface="+mn-lt"/>
+                <a:ea typeface="+mn-ea"/>
+                <a:cs typeface="+mn-cs"/>
+              </a:rPr>
+              <a:t>Houd de aanwijzer boven de miniatuur van een dia-indeling in de </a:t>
+            </a:r>
+            <a:r>
+              <a:rPr lang="nl-NL" sz="1200" b="1" i="0" u="none" strike="noStrike" kern="1200" dirty="0" smtClean="0">
+                <a:solidFill>
+                  <a:schemeClr val="tx1"/>
+                </a:solidFill>
+                <a:latin typeface="+mn-lt"/>
+                <a:ea typeface="+mn-ea"/>
+                <a:cs typeface="+mn-cs"/>
+              </a:rPr>
+              <a:t>Elementengalerie</a:t>
+            </a:r>
+            <a:r>
+              <a:rPr lang="nl-NL" sz="1200" b="0" i="0" u="none" strike="noStrike" kern="1200" dirty="0" smtClean="0">
+                <a:solidFill>
+                  <a:schemeClr val="tx1"/>
+                </a:solidFill>
+                <a:latin typeface="+mn-lt"/>
+                <a:ea typeface="+mn-ea"/>
+                <a:cs typeface="+mn-cs"/>
+              </a:rPr>
+              <a:t> om een beschrijving ervan te zien.</a:t>
+            </a:r>
+          </a:p>
+          <a:p>
+            <a:pPr eaLnBrk="1" hangingPunct="1">
+              <a:spcBef>
+                <a:spcPct val="0"/>
+              </a:spcBef>
+              <a:buFont typeface="Arial"/>
+              <a:buChar char="•"/>
+            </a:pPr>
+            <a:r>
+              <a:rPr lang="nl-NL" sz="1200" b="0" i="0" u="none" strike="noStrike" kern="1200" dirty="0" smtClean="0">
+                <a:solidFill>
+                  <a:schemeClr val="tx1"/>
+                </a:solidFill>
+                <a:latin typeface="+mn-lt"/>
+                <a:ea typeface="+mn-ea"/>
+                <a:cs typeface="+mn-cs"/>
+              </a:rPr>
+              <a:t>Knoppen met tijdelijke aanduidingen geven het soort object aan dat u kunt toevoegen, bijvoorbeeld een afbeelding, tabel of grafiek.</a:t>
+            </a:r>
+            <a:endParaRPr dirty="0" smtClean="0"/>
+          </a:p>
+        </p:txBody>
+      </p:sp>
+      <p:sp>
+        <p:nvSpPr>
+          <p:cNvPr id="31747" name="Slide Number Placeholder 3"/>
+          <p:cNvSpPr>
+            <a:spLocks noGrp="1"/>
+          </p:cNvSpPr>
+          <p:nvPr>
+            <p:ph type="sldNum" sz="quarter" idx="5"/>
+          </p:nvPr>
+        </p:nvSpPr>
+        <p:spPr bwMode="auto">
+          <a:ln>
+            <a:miter lim="800000"/>
+            <a:headEnd/>
+            <a:tailEnd/>
+          </a:ln>
+        </p:spPr>
+        <p:txBody>
+          <a:bodyPr wrap="square" lIns="91440" tIns="45720" rIns="91440" bIns="45720" numCol="1" anchorCtr="0" compatLnSpc="1">
+            <a:prstTxWarp prst="textNoShape">
+              <a:avLst/>
+            </a:prstTxWarp>
+          </a:bodyPr>
+          <a:lstStyle/>
+          <a:p>
+            <a:pPr fontAlgn="base">
+              <a:spcBef>
+                <a:spcPct val="0"/>
+              </a:spcBef>
+              <a:spcAft>
+                <a:spcPct val="0"/>
+              </a:spcAft>
+              <a:defRPr/>
+            </a:pPr>
+            <a:fld id="{8D529EA0-78B4-4AD0-ABA6-B7F540252F6C}" type="slidenum">
+              <a:rPr smtClean="0">
+                <a:cs typeface="Arial" charset="0"/>
+              </a:rPr>
+              <a:pPr fontAlgn="base">
+                <a:spcBef>
+                  <a:spcPct val="0"/>
+                </a:spcBef>
+                <a:spcAft>
+                  <a:spcPct val="0"/>
+                </a:spcAft>
+                <a:defRPr/>
+              </a:pPr>
+              <a:t>17</a:t>
             </a:fld>
             <a:endParaRPr smtClean="0">
               <a:cs typeface="Arial" charset="0"/>
@@ -22628,7 +23862,7 @@
               <a:pPr>
                 <a:defRPr kumimoji="0"/>
               </a:pPr>
-              <a:t>21-03-2010</a:t>
+              <a:t>23-03-2010</a:t>
             </a:fld>
             <a:endParaRPr kumimoji="0"/>
           </a:p>
@@ -23016,7 +24250,7 @@
               <a:pPr>
                 <a:defRPr kumimoji="0"/>
               </a:pPr>
-              <a:t>21-03-2010</a:t>
+              <a:t>23-03-2010</a:t>
             </a:fld>
             <a:endParaRPr kumimoji="0"/>
           </a:p>
@@ -23352,7 +24586,7 @@
               <a:pPr>
                 <a:defRPr kumimoji="0"/>
               </a:pPr>
-              <a:t>21-03-2010</a:t>
+              <a:t>23-03-2010</a:t>
             </a:fld>
             <a:endParaRPr kumimoji="0"/>
           </a:p>
@@ -23908,7 +25142,7 @@
               <a:pPr>
                 <a:defRPr kumimoji="0"/>
               </a:pPr>
-              <a:t>21-03-2010</a:t>
+              <a:t>23-03-2010</a:t>
             </a:fld>
             <a:endParaRPr kumimoji="0"/>
           </a:p>
@@ -24452,7 +25686,7 @@
               <a:pPr>
                 <a:defRPr kumimoji="0"/>
               </a:pPr>
-              <a:t>21-03-2010</a:t>
+              <a:t>23-03-2010</a:t>
             </a:fld>
             <a:endParaRPr kumimoji="0"/>
           </a:p>
@@ -24903,7 +26137,7 @@
               <a:pPr>
                 <a:defRPr kumimoji="0"/>
               </a:pPr>
-              <a:t>21-03-2010</a:t>
+              <a:t>23-03-2010</a:t>
             </a:fld>
             <a:endParaRPr kumimoji="0"/>
           </a:p>
@@ -25323,7 +26557,7 @@
               <a:pPr>
                 <a:defRPr kumimoji="0"/>
               </a:pPr>
-              <a:t>21-03-2010</a:t>
+              <a:t>23-03-2010</a:t>
             </a:fld>
             <a:endParaRPr kumimoji="0"/>
           </a:p>
@@ -25818,7 +27052,7 @@
               <a:pPr>
                 <a:defRPr kumimoji="0"/>
               </a:pPr>
-              <a:t>21-03-2010</a:t>
+              <a:t>23-03-2010</a:t>
             </a:fld>
             <a:endParaRPr kumimoji="0"/>
           </a:p>
@@ -26313,7 +27547,7 @@
               <a:pPr>
                 <a:defRPr kumimoji="0"/>
               </a:pPr>
-              <a:t>21-03-2010</a:t>
+              <a:t>23-03-2010</a:t>
             </a:fld>
             <a:endParaRPr kumimoji="0"/>
           </a:p>
@@ -26536,7 +27770,7 @@
               <a:pPr>
                 <a:defRPr kumimoji="0"/>
               </a:pPr>
-              <a:t>21-03-2010</a:t>
+              <a:t>23-03-2010</a:t>
             </a:fld>
             <a:endParaRPr kumimoji="0"/>
           </a:p>
@@ -26862,7 +28096,7 @@
               <a:pPr>
                 <a:defRPr kumimoji="0"/>
               </a:pPr>
-              <a:t>21-03-2010</a:t>
+              <a:t>23-03-2010</a:t>
             </a:fld>
             <a:endParaRPr kumimoji="0"/>
           </a:p>
@@ -27097,7 +28331,7 @@
               <a:pPr>
                 <a:defRPr kumimoji="0"/>
               </a:pPr>
-              <a:t>21-03-2010</a:t>
+              <a:t>23-03-2010</a:t>
             </a:fld>
             <a:endParaRPr kumimoji="0"/>
           </a:p>
@@ -27323,7 +28557,7 @@
               <a:pPr>
                 <a:defRPr kumimoji="0"/>
               </a:pPr>
-              <a:t>21-03-2010</a:t>
+              <a:t>23-03-2010</a:t>
             </a:fld>
             <a:endParaRPr kumimoji="0"/>
           </a:p>
@@ -27499,7 +28733,7 @@
               <a:pPr>
                 <a:defRPr kumimoji="0"/>
               </a:pPr>
-              <a:t>21-03-2010</a:t>
+              <a:t>23-03-2010</a:t>
             </a:fld>
             <a:endParaRPr kumimoji="0"/>
           </a:p>
@@ -27756,7 +28990,7 @@
               <a:pPr>
                 <a:defRPr kumimoji="0"/>
               </a:pPr>
-              <a:t>21-03-2010</a:t>
+              <a:t>23-03-2010</a:t>
             </a:fld>
             <a:endParaRPr kumimoji="0"/>
           </a:p>
@@ -28194,7 +29428,7 @@
               <a:pPr>
                 <a:defRPr kumimoji="0"/>
               </a:pPr>
-              <a:t>21-03-2010</a:t>
+              <a:t>23-03-2010</a:t>
             </a:fld>
             <a:endParaRPr kumimoji="0"/>
           </a:p>
@@ -28544,7 +29778,7 @@
               <a:pPr>
                 <a:defRPr kumimoji="0"/>
               </a:pPr>
-              <a:t>21-03-2010</a:t>
+              <a:t>23-03-2010</a:t>
             </a:fld>
             <a:endParaRPr kumimoji="0"/>
           </a:p>
@@ -28900,7 +30134,7 @@
               <a:pPr>
                 <a:defRPr kumimoji="0"/>
               </a:pPr>
-              <a:t>21-03-2010</a:t>
+              <a:t>23-03-2010</a:t>
             </a:fld>
             <a:endParaRPr kumimoji="0"/>
           </a:p>
@@ -29207,7 +30441,7 @@
               <a:pPr>
                 <a:defRPr kumimoji="0"/>
               </a:pPr>
-              <a:t>21-03-2010</a:t>
+              <a:t>23-03-2010</a:t>
             </a:fld>
             <a:endParaRPr kumimoji="0"/>
           </a:p>
@@ -29672,7 +30906,7 @@
               <a:pPr>
                 <a:defRPr kumimoji="0"/>
               </a:pPr>
-              <a:t>21-03-2010</a:t>
+              <a:t>23-03-2010</a:t>
             </a:fld>
             <a:endParaRPr kumimoji="0"/>
           </a:p>
@@ -29921,7 +31155,7 @@
               <a:pPr>
                 <a:defRPr kumimoji="0"/>
               </a:pPr>
-              <a:t>21-03-2010</a:t>
+              <a:t>23-03-2010</a:t>
             </a:fld>
             <a:endParaRPr kumimoji="0"/>
           </a:p>
@@ -30734,11 +31968,7 @@
             </a:pPr>
             <a:r>
               <a:rPr lang="nl-BE" dirty="0" smtClean="0"/>
-              <a:t>De</a:t>
-            </a:r>
-            <a:r>
-              <a:rPr lang="nl-BE" dirty="0" smtClean="0"/>
-              <a:t> scraper</a:t>
+              <a:t>De scraper</a:t>
             </a:r>
             <a:endParaRPr dirty="0"/>
           </a:p>
@@ -30843,6 +32073,305 @@
 </file>
 
 <file path=ppt/slides/slide12.xml><?xml version="1.0" encoding="utf-8"?>
+<p:sld xmlns:a="http://schemas.openxmlformats.org/drawingml/2006/main" xmlns:r="http://schemas.openxmlformats.org/officeDocument/2006/relationships" xmlns:mc="http://schemas.openxmlformats.org/markup-compatibility/2006" xmlns:mv="urn:schemas-microsoft-com:mac:vml" xmlns:p="http://schemas.openxmlformats.org/presentationml/2006/main" mc:Ignorable="mv" mc:PreserveAttributes="mv:*">
+  <p:cSld>
+    <p:spTree>
+      <p:nvGrpSpPr>
+        <p:cNvPr id="1" name=""/>
+        <p:cNvGrpSpPr/>
+        <p:nvPr/>
+      </p:nvGrpSpPr>
+      <p:grpSpPr>
+        <a:xfrm>
+          <a:off x="0" y="0"/>
+          <a:ext cx="0" cy="0"/>
+          <a:chOff x="0" y="0"/>
+          <a:chExt cx="0" cy="0"/>
+        </a:xfrm>
+      </p:grpSpPr>
+      <p:sp>
+        <p:nvSpPr>
+          <p:cNvPr id="7" name="Titel 6"/>
+          <p:cNvSpPr>
+            <a:spLocks noGrp="1"/>
+          </p:cNvSpPr>
+          <p:nvPr>
+            <p:ph type="title"/>
+          </p:nvPr>
+        </p:nvSpPr>
+        <p:spPr>
+          <a:xfrm>
+            <a:off x="609600" y="152400"/>
+            <a:ext cx="7781730" cy="990600"/>
+          </a:xfrm>
+        </p:spPr>
+        <p:txBody>
+          <a:bodyPr/>
+          <a:lstStyle/>
+          <a:p>
+            <a:r>
+              <a:rPr lang="nl-NL" dirty="0" err="1" smtClean="0"/>
+              <a:t>Scrapper</a:t>
+            </a:r>
+            <a:endParaRPr lang="nl-NL" dirty="0"/>
+          </a:p>
+        </p:txBody>
+      </p:sp>
+      <p:sp>
+        <p:nvSpPr>
+          <p:cNvPr id="8" name="Tijdelijke aanduiding voor tekst 7"/>
+          <p:cNvSpPr>
+            <a:spLocks noGrp="1"/>
+          </p:cNvSpPr>
+          <p:nvPr>
+            <p:ph type="body" sz="quarter" idx="14"/>
+          </p:nvPr>
+        </p:nvSpPr>
+        <p:spPr>
+          <a:xfrm>
+            <a:off x="609600" y="1752600"/>
+            <a:ext cx="7772400" cy="838200"/>
+          </a:xfrm>
+        </p:spPr>
+        <p:txBody>
+          <a:bodyPr/>
+          <a:lstStyle/>
+          <a:p>
+            <a:pPr marL="431800" indent="-323850">
+              <a:buSzPct val="45000"/>
+              <a:buFont typeface="Wingdings" charset="2"/>
+              <a:buChar char=""/>
+              <a:tabLst>
+                <a:tab pos="723900" algn="l"/>
+                <a:tab pos="1447800" algn="l"/>
+                <a:tab pos="2171700" algn="l"/>
+                <a:tab pos="2895600" algn="l"/>
+                <a:tab pos="3619500" algn="l"/>
+                <a:tab pos="4343400" algn="l"/>
+                <a:tab pos="5067300" algn="l"/>
+                <a:tab pos="5791200" algn="l"/>
+                <a:tab pos="6515100" algn="l"/>
+                <a:tab pos="7239000" algn="l"/>
+                <a:tab pos="7962900" algn="l"/>
+                <a:tab pos="8686800" algn="l"/>
+              </a:tabLst>
+            </a:pPr>
+            <a:r>
+              <a:rPr lang="nl-BE" dirty="0" smtClean="0"/>
+              <a:t>Perl</a:t>
+            </a:r>
+            <a:br>
+              <a:rPr lang="nl-BE" dirty="0" smtClean="0"/>
+            </a:br>
+            <a:endParaRPr lang="nl-BE" dirty="0" smtClean="0"/>
+          </a:p>
+          <a:p>
+            <a:pPr marL="431800" indent="-323850">
+              <a:buSzPct val="45000"/>
+              <a:buFont typeface="Wingdings" charset="2"/>
+              <a:buChar char=""/>
+              <a:tabLst>
+                <a:tab pos="723900" algn="l"/>
+                <a:tab pos="1447800" algn="l"/>
+                <a:tab pos="2171700" algn="l"/>
+                <a:tab pos="2895600" algn="l"/>
+                <a:tab pos="3619500" algn="l"/>
+                <a:tab pos="4343400" algn="l"/>
+                <a:tab pos="5067300" algn="l"/>
+                <a:tab pos="5791200" algn="l"/>
+                <a:tab pos="6515100" algn="l"/>
+                <a:tab pos="7239000" algn="l"/>
+                <a:tab pos="7962900" algn="l"/>
+                <a:tab pos="8686800" algn="l"/>
+              </a:tabLst>
+            </a:pPr>
+            <a:r>
+              <a:rPr lang="nl-BE" dirty="0" smtClean="0"/>
+              <a:t>Losstaand, communicatie over XML-RPC</a:t>
+            </a:r>
+            <a:endParaRPr lang="nl-BE" dirty="0" smtClean="0"/>
+          </a:p>
+          <a:p>
+            <a:pPr marL="431800" indent="-323850">
+              <a:buSzPct val="45000"/>
+              <a:buFont typeface="Wingdings" charset="2"/>
+              <a:buChar char=""/>
+              <a:tabLst>
+                <a:tab pos="723900" algn="l"/>
+                <a:tab pos="1447800" algn="l"/>
+                <a:tab pos="2171700" algn="l"/>
+                <a:tab pos="2895600" algn="l"/>
+                <a:tab pos="3619500" algn="l"/>
+                <a:tab pos="4343400" algn="l"/>
+                <a:tab pos="5067300" algn="l"/>
+                <a:tab pos="5791200" algn="l"/>
+                <a:tab pos="6515100" algn="l"/>
+                <a:tab pos="7239000" algn="l"/>
+                <a:tab pos="7962900" algn="l"/>
+                <a:tab pos="8686800" algn="l"/>
+              </a:tabLst>
+            </a:pPr>
+            <a:endParaRPr lang="nl-BE" dirty="0" smtClean="0"/>
+          </a:p>
+          <a:p>
+            <a:pPr marL="431800" indent="-323850">
+              <a:buSzPct val="45000"/>
+              <a:buFont typeface="Wingdings" charset="2"/>
+              <a:buChar char=""/>
+              <a:tabLst>
+                <a:tab pos="723900" algn="l"/>
+                <a:tab pos="1447800" algn="l"/>
+                <a:tab pos="2171700" algn="l"/>
+                <a:tab pos="2895600" algn="l"/>
+                <a:tab pos="3619500" algn="l"/>
+                <a:tab pos="4343400" algn="l"/>
+                <a:tab pos="5067300" algn="l"/>
+                <a:tab pos="5791200" algn="l"/>
+                <a:tab pos="6515100" algn="l"/>
+                <a:tab pos="7239000" algn="l"/>
+                <a:tab pos="7962900" algn="l"/>
+                <a:tab pos="8686800" algn="l"/>
+              </a:tabLst>
+            </a:pPr>
+            <a:r>
+              <a:rPr lang="nl-BE" dirty="0" smtClean="0"/>
+              <a:t>Modulair</a:t>
+            </a:r>
+            <a:r>
+              <a:rPr lang="nl-BE" dirty="0" smtClean="0"/>
+              <a:t>, gebruikt plugins</a:t>
+            </a:r>
+            <a:endParaRPr lang="nl-BE" dirty="0" smtClean="0"/>
+          </a:p>
+          <a:p>
+            <a:pPr marL="863600" lvl="1" indent="-323850">
+              <a:buSzPct val="45000"/>
+              <a:buFont typeface="Wingdings" charset="2"/>
+              <a:buChar char=""/>
+              <a:tabLst>
+                <a:tab pos="723900" algn="l"/>
+                <a:tab pos="1447800" algn="l"/>
+                <a:tab pos="2171700" algn="l"/>
+                <a:tab pos="2895600" algn="l"/>
+                <a:tab pos="3619500" algn="l"/>
+                <a:tab pos="4343400" algn="l"/>
+                <a:tab pos="5067300" algn="l"/>
+                <a:tab pos="5791200" algn="l"/>
+                <a:tab pos="6515100" algn="l"/>
+                <a:tab pos="7239000" algn="l"/>
+                <a:tab pos="7962900" algn="l"/>
+                <a:tab pos="8686800" algn="l"/>
+              </a:tabLst>
+            </a:pPr>
+            <a:endParaRPr lang="nl-BE" dirty="0" smtClean="0"/>
+          </a:p>
+          <a:p>
+            <a:pPr marL="863600" lvl="1" indent="-323850">
+              <a:buSzPct val="45000"/>
+              <a:buFont typeface="Wingdings" charset="2"/>
+              <a:buChar char=""/>
+              <a:tabLst>
+                <a:tab pos="723900" algn="l"/>
+                <a:tab pos="1447800" algn="l"/>
+                <a:tab pos="2171700" algn="l"/>
+                <a:tab pos="2895600" algn="l"/>
+                <a:tab pos="3619500" algn="l"/>
+                <a:tab pos="4343400" algn="l"/>
+                <a:tab pos="5067300" algn="l"/>
+                <a:tab pos="5791200" algn="l"/>
+                <a:tab pos="6515100" algn="l"/>
+                <a:tab pos="7239000" algn="l"/>
+                <a:tab pos="7962900" algn="l"/>
+                <a:tab pos="8686800" algn="l"/>
+              </a:tabLst>
+            </a:pPr>
+            <a:r>
+              <a:rPr lang="nl-BE" dirty="0" smtClean="0"/>
+              <a:t>1 </a:t>
+            </a:r>
+            <a:r>
+              <a:rPr lang="nl-BE" dirty="0" smtClean="0"/>
+              <a:t>per bron (website, feeds, databases, ...)</a:t>
+            </a:r>
+            <a:endParaRPr lang="nl-BE" dirty="0" smtClean="0"/>
+          </a:p>
+          <a:p>
+            <a:pPr marL="863600" lvl="1" indent="-323850">
+              <a:buSzPct val="45000"/>
+              <a:buFont typeface="Wingdings" charset="2"/>
+              <a:buChar char=""/>
+              <a:tabLst>
+                <a:tab pos="723900" algn="l"/>
+                <a:tab pos="1447800" algn="l"/>
+                <a:tab pos="2171700" algn="l"/>
+                <a:tab pos="2895600" algn="l"/>
+                <a:tab pos="3619500" algn="l"/>
+                <a:tab pos="4343400" algn="l"/>
+                <a:tab pos="5067300" algn="l"/>
+                <a:tab pos="5791200" algn="l"/>
+                <a:tab pos="6515100" algn="l"/>
+                <a:tab pos="7239000" algn="l"/>
+                <a:tab pos="7962900" algn="l"/>
+                <a:tab pos="8686800" algn="l"/>
+              </a:tabLst>
+            </a:pPr>
+            <a:endParaRPr lang="nl-BE" dirty="0" smtClean="0"/>
+          </a:p>
+          <a:p>
+            <a:pPr marL="863600" lvl="1" indent="-323850">
+              <a:buSzPct val="45000"/>
+              <a:buFont typeface="Wingdings" charset="2"/>
+              <a:buChar char=""/>
+              <a:tabLst>
+                <a:tab pos="723900" algn="l"/>
+                <a:tab pos="1447800" algn="l"/>
+                <a:tab pos="2171700" algn="l"/>
+                <a:tab pos="2895600" algn="l"/>
+                <a:tab pos="3619500" algn="l"/>
+                <a:tab pos="4343400" algn="l"/>
+                <a:tab pos="5067300" algn="l"/>
+                <a:tab pos="5791200" algn="l"/>
+                <a:tab pos="6515100" algn="l"/>
+                <a:tab pos="7239000" algn="l"/>
+                <a:tab pos="7962900" algn="l"/>
+                <a:tab pos="8686800" algn="l"/>
+              </a:tabLst>
+            </a:pPr>
+            <a:r>
+              <a:rPr lang="nl-BE" dirty="0" smtClean="0"/>
+              <a:t>Adverteert </a:t>
+            </a:r>
+            <a:r>
+              <a:rPr lang="nl-BE" dirty="0" smtClean="0"/>
+              <a:t>data ter </a:t>
+            </a:r>
+            <a:r>
+              <a:rPr lang="nl-BE" dirty="0" smtClean="0"/>
+              <a:t>beschikking</a:t>
+            </a:r>
+            <a:endParaRPr lang="nl-BE" dirty="0" smtClean="0"/>
+          </a:p>
+        </p:txBody>
+      </p:sp>
+    </p:spTree>
+  </p:cSld>
+  <p:clrMapOvr>
+    <a:masterClrMapping/>
+  </p:clrMapOvr>
+  <p:transition>
+    <p:fade/>
+  </p:transition>
+  <p:timing>
+    <p:tnLst>
+      <p:par>
+        <p:cTn id="1" dur="indefinite" restart="never" nodeType="tmRoot"/>
+      </p:par>
+    </p:tnLst>
+  </p:timing>
+</p:sld>
+</file>
+
+<file path=ppt/slides/slide13.xml><?xml version="1.0" encoding="utf-8"?>
 <p:sld xmlns:a="http://schemas.openxmlformats.org/drawingml/2006/main" xmlns:r="http://schemas.openxmlformats.org/officeDocument/2006/relationships" xmlns:mc="http://schemas.openxmlformats.org/markup-compatibility/2006" xmlns:mv="urn:schemas-microsoft-com:mac:vml" xmlns:p="http://schemas.openxmlformats.org/presentationml/2006/main" mc:Ignorable="mv" mc:PreserveAttributes="mv:*">
   <p:cSld>
     <p:spTree>
@@ -30997,7 +32526,7 @@
 </p:sld>
 </file>
 
-<file path=ppt/slides/slide13.xml><?xml version="1.0" encoding="utf-8"?>
+<file path=ppt/slides/slide14.xml><?xml version="1.0" encoding="utf-8"?>
 <p:sld xmlns:a="http://schemas.openxmlformats.org/drawingml/2006/main" xmlns:r="http://schemas.openxmlformats.org/officeDocument/2006/relationships" xmlns:mc="http://schemas.openxmlformats.org/markup-compatibility/2006" xmlns:mv="urn:schemas-microsoft-com:mac:vml" xmlns:p="http://schemas.openxmlformats.org/presentationml/2006/main" mc:Ignorable="mv" mc:PreserveAttributes="mv:*">
   <p:cSld>
     <p:spTree>
@@ -31229,6 +32758,775 @@
           </a:graphicData>
         </a:graphic>
       </p:graphicFrame>
+    </p:spTree>
+  </p:cSld>
+  <p:clrMapOvr>
+    <a:masterClrMapping/>
+  </p:clrMapOvr>
+  <p:transition>
+    <p:fade/>
+  </p:transition>
+  <p:timing>
+    <p:tnLst>
+      <p:par>
+        <p:cTn id="1" dur="indefinite" restart="never" nodeType="tmRoot"/>
+      </p:par>
+    </p:tnLst>
+  </p:timing>
+</p:sld>
+</file>
+
+<file path=ppt/slides/slide15.xml><?xml version="1.0" encoding="utf-8"?>
+<p:sld xmlns:a="http://schemas.openxmlformats.org/drawingml/2006/main" xmlns:r="http://schemas.openxmlformats.org/officeDocument/2006/relationships" xmlns:mc="http://schemas.openxmlformats.org/markup-compatibility/2006" xmlns:mv="urn:schemas-microsoft-com:mac:vml" xmlns:p="http://schemas.openxmlformats.org/presentationml/2006/main" mc:Ignorable="mv" mc:PreserveAttributes="mv:*">
+  <p:cSld>
+    <p:spTree>
+      <p:nvGrpSpPr>
+        <p:cNvPr id="1" name=""/>
+        <p:cNvGrpSpPr/>
+        <p:nvPr/>
+      </p:nvGrpSpPr>
+      <p:grpSpPr>
+        <a:xfrm>
+          <a:off x="0" y="0"/>
+          <a:ext cx="0" cy="0"/>
+          <a:chOff x="0" y="0"/>
+          <a:chExt cx="0" cy="0"/>
+        </a:xfrm>
+      </p:grpSpPr>
+      <p:sp>
+        <p:nvSpPr>
+          <p:cNvPr id="7" name="Titel 6"/>
+          <p:cNvSpPr>
+            <a:spLocks noGrp="1"/>
+          </p:cNvSpPr>
+          <p:nvPr>
+            <p:ph type="title"/>
+          </p:nvPr>
+        </p:nvSpPr>
+        <p:spPr>
+          <a:xfrm>
+            <a:off x="609600" y="152400"/>
+            <a:ext cx="7781730" cy="990600"/>
+          </a:xfrm>
+        </p:spPr>
+        <p:txBody>
+          <a:bodyPr/>
+          <a:lstStyle/>
+          <a:p>
+            <a:r>
+              <a:rPr lang="nl-NL" dirty="0" smtClean="0"/>
+              <a:t>Filter</a:t>
+            </a:r>
+            <a:endParaRPr lang="nl-NL" dirty="0"/>
+          </a:p>
+        </p:txBody>
+      </p:sp>
+      <p:sp>
+        <p:nvSpPr>
+          <p:cNvPr id="8" name="Tijdelijke aanduiding voor tekst 7"/>
+          <p:cNvSpPr>
+            <a:spLocks noGrp="1"/>
+          </p:cNvSpPr>
+          <p:nvPr>
+            <p:ph type="body" sz="quarter" idx="14"/>
+          </p:nvPr>
+        </p:nvSpPr>
+        <p:spPr>
+          <a:xfrm>
+            <a:off x="609600" y="1752600"/>
+            <a:ext cx="7772400" cy="838200"/>
+          </a:xfrm>
+        </p:spPr>
+        <p:txBody>
+          <a:bodyPr/>
+          <a:lstStyle/>
+          <a:p>
+            <a:pPr marL="431800" indent="-323850">
+              <a:buSzPct val="45000"/>
+              <a:buFont typeface="Wingdings" charset="2"/>
+              <a:buChar char=""/>
+              <a:tabLst>
+                <a:tab pos="723900" algn="l"/>
+                <a:tab pos="1447800" algn="l"/>
+                <a:tab pos="2171700" algn="l"/>
+                <a:tab pos="2895600" algn="l"/>
+                <a:tab pos="3619500" algn="l"/>
+                <a:tab pos="4343400" algn="l"/>
+                <a:tab pos="5067300" algn="l"/>
+                <a:tab pos="5791200" algn="l"/>
+                <a:tab pos="6515100" algn="l"/>
+                <a:tab pos="7239000" algn="l"/>
+                <a:tab pos="7962900" algn="l"/>
+                <a:tab pos="8686800" algn="l"/>
+              </a:tabLst>
+            </a:pPr>
+            <a:r>
+              <a:rPr lang="nl-BE" dirty="0" smtClean="0"/>
+              <a:t>Doel: hergebruik van dezelfde filters voor verschillende data-</a:t>
+            </a:r>
+            <a:r>
+              <a:rPr lang="nl-BE" dirty="0" smtClean="0"/>
+              <a:t>backends</a:t>
+            </a:r>
+          </a:p>
+          <a:p>
+            <a:pPr marL="431800" indent="-323850">
+              <a:buSzPct val="45000"/>
+              <a:buFont typeface="Wingdings" charset="2"/>
+              <a:buChar char=""/>
+              <a:tabLst>
+                <a:tab pos="723900" algn="l"/>
+                <a:tab pos="1447800" algn="l"/>
+                <a:tab pos="2171700" algn="l"/>
+                <a:tab pos="2895600" algn="l"/>
+                <a:tab pos="3619500" algn="l"/>
+                <a:tab pos="4343400" algn="l"/>
+                <a:tab pos="5067300" algn="l"/>
+                <a:tab pos="5791200" algn="l"/>
+                <a:tab pos="6515100" algn="l"/>
+                <a:tab pos="7239000" algn="l"/>
+                <a:tab pos="7962900" algn="l"/>
+                <a:tab pos="8686800" algn="l"/>
+              </a:tabLst>
+            </a:pPr>
+            <a:endParaRPr lang="nl-BE" dirty="0" smtClean="0"/>
+          </a:p>
+          <a:p>
+            <a:pPr marL="431800" indent="-323850">
+              <a:buSzPct val="45000"/>
+              <a:buFont typeface="Wingdings" charset="2"/>
+              <a:buChar char=""/>
+              <a:tabLst>
+                <a:tab pos="723900" algn="l"/>
+                <a:tab pos="1447800" algn="l"/>
+                <a:tab pos="2171700" algn="l"/>
+                <a:tab pos="2895600" algn="l"/>
+                <a:tab pos="3619500" algn="l"/>
+                <a:tab pos="4343400" algn="l"/>
+                <a:tab pos="5067300" algn="l"/>
+                <a:tab pos="5791200" algn="l"/>
+                <a:tab pos="6515100" algn="l"/>
+                <a:tab pos="7239000" algn="l"/>
+                <a:tab pos="7962900" algn="l"/>
+                <a:tab pos="8686800" algn="l"/>
+              </a:tabLst>
+            </a:pPr>
+            <a:r>
+              <a:rPr lang="nl-BE" dirty="0" smtClean="0"/>
+              <a:t>Input: String, parsen tot </a:t>
+            </a:r>
+            <a:r>
+              <a:rPr lang="nl-BE" dirty="0" smtClean="0"/>
+              <a:t>AST</a:t>
+            </a:r>
+          </a:p>
+          <a:p>
+            <a:pPr marL="431800" indent="-323850">
+              <a:buSzPct val="45000"/>
+              <a:tabLst>
+                <a:tab pos="723900" algn="l"/>
+                <a:tab pos="1447800" algn="l"/>
+                <a:tab pos="2171700" algn="l"/>
+                <a:tab pos="2895600" algn="l"/>
+                <a:tab pos="3619500" algn="l"/>
+                <a:tab pos="4343400" algn="l"/>
+                <a:tab pos="5067300" algn="l"/>
+                <a:tab pos="5791200" algn="l"/>
+                <a:tab pos="6515100" algn="l"/>
+                <a:tab pos="7239000" algn="l"/>
+                <a:tab pos="7962900" algn="l"/>
+                <a:tab pos="8686800" algn="l"/>
+              </a:tabLst>
+            </a:pPr>
+            <a:endParaRPr lang="nl-BE" dirty="0" smtClean="0"/>
+          </a:p>
+          <a:p>
+            <a:pPr marL="863600" lvl="1" indent="-323850">
+              <a:buSzPct val="45000"/>
+              <a:buFont typeface="Wingdings" charset="2"/>
+              <a:buChar char=""/>
+              <a:tabLst>
+                <a:tab pos="723900" algn="l"/>
+                <a:tab pos="1447800" algn="l"/>
+                <a:tab pos="2171700" algn="l"/>
+                <a:tab pos="2895600" algn="l"/>
+                <a:tab pos="3619500" algn="l"/>
+                <a:tab pos="4343400" algn="l"/>
+                <a:tab pos="5067300" algn="l"/>
+                <a:tab pos="5791200" algn="l"/>
+                <a:tab pos="6515100" algn="l"/>
+                <a:tab pos="7239000" algn="l"/>
+                <a:tab pos="7962900" algn="l"/>
+                <a:tab pos="8686800" algn="l"/>
+              </a:tabLst>
+            </a:pPr>
+            <a:r>
+              <a:rPr lang="nl-BE" dirty="0" smtClean="0"/>
+              <a:t>Tokenizen</a:t>
+            </a:r>
+          </a:p>
+          <a:p>
+            <a:pPr marL="863600" lvl="1" indent="-323850">
+              <a:buSzPct val="45000"/>
+              <a:buFont typeface="Wingdings" charset="2"/>
+              <a:buChar char=""/>
+              <a:tabLst>
+                <a:tab pos="723900" algn="l"/>
+                <a:tab pos="1447800" algn="l"/>
+                <a:tab pos="2171700" algn="l"/>
+                <a:tab pos="2895600" algn="l"/>
+                <a:tab pos="3619500" algn="l"/>
+                <a:tab pos="4343400" algn="l"/>
+                <a:tab pos="5067300" algn="l"/>
+                <a:tab pos="5791200" algn="l"/>
+                <a:tab pos="6515100" algn="l"/>
+                <a:tab pos="7239000" algn="l"/>
+                <a:tab pos="7962900" algn="l"/>
+                <a:tab pos="8686800" algn="l"/>
+              </a:tabLst>
+            </a:pPr>
+            <a:r>
+              <a:rPr lang="nl-BE" dirty="0" smtClean="0"/>
+              <a:t>Infix naar postfix via Shunting Yard</a:t>
+            </a:r>
+          </a:p>
+          <a:p>
+            <a:pPr marL="863600" lvl="1" indent="-323850">
+              <a:buSzPct val="45000"/>
+              <a:buFont typeface="Wingdings" charset="2"/>
+              <a:buChar char=""/>
+              <a:tabLst>
+                <a:tab pos="723900" algn="l"/>
+                <a:tab pos="1447800" algn="l"/>
+                <a:tab pos="2171700" algn="l"/>
+                <a:tab pos="2895600" algn="l"/>
+                <a:tab pos="3619500" algn="l"/>
+                <a:tab pos="4343400" algn="l"/>
+                <a:tab pos="5067300" algn="l"/>
+                <a:tab pos="5791200" algn="l"/>
+                <a:tab pos="6515100" algn="l"/>
+                <a:tab pos="7239000" algn="l"/>
+                <a:tab pos="7962900" algn="l"/>
+                <a:tab pos="8686800" algn="l"/>
+              </a:tabLst>
+            </a:pPr>
+            <a:r>
+              <a:rPr lang="nl-BE" dirty="0" smtClean="0"/>
+              <a:t>RPN evaluatie</a:t>
+            </a:r>
+          </a:p>
+          <a:p>
+            <a:pPr marL="863600" lvl="1" indent="-323850">
+              <a:buSzPct val="45000"/>
+              <a:buFont typeface="Wingdings" charset="2"/>
+              <a:buChar char=""/>
+              <a:tabLst>
+                <a:tab pos="723900" algn="l"/>
+                <a:tab pos="1447800" algn="l"/>
+                <a:tab pos="2171700" algn="l"/>
+                <a:tab pos="2895600" algn="l"/>
+                <a:tab pos="3619500" algn="l"/>
+                <a:tab pos="4343400" algn="l"/>
+                <a:tab pos="5067300" algn="l"/>
+                <a:tab pos="5791200" algn="l"/>
+                <a:tab pos="6515100" algn="l"/>
+                <a:tab pos="7239000" algn="l"/>
+                <a:tab pos="7962900" algn="l"/>
+                <a:tab pos="8686800" algn="l"/>
+              </a:tabLst>
+            </a:pPr>
+            <a:r>
+              <a:rPr lang="nl-BE" dirty="0" smtClean="0"/>
+              <a:t>Debuggen via GraphViz </a:t>
+            </a:r>
+            <a:r>
+              <a:rPr lang="nl-BE" dirty="0" smtClean="0"/>
+              <a:t>visualisatie</a:t>
+            </a:r>
+          </a:p>
+          <a:p>
+            <a:pPr marL="863600" lvl="1" indent="-323850">
+              <a:buSzPct val="45000"/>
+              <a:buFont typeface="Wingdings" charset="2"/>
+              <a:buChar char=""/>
+              <a:tabLst>
+                <a:tab pos="723900" algn="l"/>
+                <a:tab pos="1447800" algn="l"/>
+                <a:tab pos="2171700" algn="l"/>
+                <a:tab pos="2895600" algn="l"/>
+                <a:tab pos="3619500" algn="l"/>
+                <a:tab pos="4343400" algn="l"/>
+                <a:tab pos="5067300" algn="l"/>
+                <a:tab pos="5791200" algn="l"/>
+                <a:tab pos="6515100" algn="l"/>
+                <a:tab pos="7239000" algn="l"/>
+                <a:tab pos="7962900" algn="l"/>
+                <a:tab pos="8686800" algn="l"/>
+              </a:tabLst>
+            </a:pPr>
+            <a:endParaRPr lang="nl-BE" dirty="0" smtClean="0"/>
+          </a:p>
+          <a:p>
+            <a:pPr marL="431800" indent="-323850">
+              <a:buSzPct val="45000"/>
+              <a:buFont typeface="Wingdings" charset="2"/>
+              <a:buChar char=""/>
+              <a:tabLst>
+                <a:tab pos="723900" algn="l"/>
+                <a:tab pos="1447800" algn="l"/>
+                <a:tab pos="2171700" algn="l"/>
+                <a:tab pos="2895600" algn="l"/>
+                <a:tab pos="3619500" algn="l"/>
+                <a:tab pos="4343400" algn="l"/>
+                <a:tab pos="5067300" algn="l"/>
+                <a:tab pos="5791200" algn="l"/>
+                <a:tab pos="6515100" algn="l"/>
+                <a:tab pos="7239000" algn="l"/>
+                <a:tab pos="7962900" algn="l"/>
+                <a:tab pos="8686800" algn="l"/>
+              </a:tabLst>
+            </a:pPr>
+            <a:r>
+              <a:rPr lang="nl-BE" dirty="0" smtClean="0"/>
+              <a:t>Output: variabel, hangt af van backend</a:t>
+            </a:r>
+          </a:p>
+          <a:p>
+            <a:pPr marL="863600" lvl="1" indent="-323850">
+              <a:buSzPct val="45000"/>
+              <a:buFont typeface="Wingdings" charset="2"/>
+              <a:buChar char=""/>
+              <a:tabLst>
+                <a:tab pos="723900" algn="l"/>
+                <a:tab pos="1447800" algn="l"/>
+                <a:tab pos="2171700" algn="l"/>
+                <a:tab pos="2895600" algn="l"/>
+                <a:tab pos="3619500" algn="l"/>
+                <a:tab pos="4343400" algn="l"/>
+                <a:tab pos="5067300" algn="l"/>
+                <a:tab pos="5791200" algn="l"/>
+                <a:tab pos="6515100" algn="l"/>
+                <a:tab pos="7239000" algn="l"/>
+                <a:tab pos="7962900" algn="l"/>
+                <a:tab pos="8686800" algn="l"/>
+              </a:tabLst>
+            </a:pPr>
+            <a:r>
+              <a:rPr lang="nl-BE" dirty="0" smtClean="0"/>
+              <a:t>vb. String: SQL-compatibele WHERE clause</a:t>
+            </a:r>
+            <a:endParaRPr lang="nl-BE" dirty="0"/>
+          </a:p>
+        </p:txBody>
+      </p:sp>
+    </p:spTree>
+  </p:cSld>
+  <p:clrMapOvr>
+    <a:masterClrMapping/>
+  </p:clrMapOvr>
+  <p:transition>
+    <p:fade/>
+  </p:transition>
+  <p:timing>
+    <p:tnLst>
+      <p:par>
+        <p:cTn id="1" dur="indefinite" restart="never" nodeType="tmRoot"/>
+      </p:par>
+    </p:tnLst>
+  </p:timing>
+</p:sld>
+</file>
+
+<file path=ppt/slides/slide16.xml><?xml version="1.0" encoding="utf-8"?>
+<p:sld xmlns:a="http://schemas.openxmlformats.org/drawingml/2006/main" xmlns:r="http://schemas.openxmlformats.org/officeDocument/2006/relationships" xmlns:mc="http://schemas.openxmlformats.org/markup-compatibility/2006" xmlns:mv="urn:schemas-microsoft-com:mac:vml" xmlns:p="http://schemas.openxmlformats.org/presentationml/2006/main" mc:Ignorable="mv" mc:PreserveAttributes="mv:*">
+  <p:cSld>
+    <p:spTree>
+      <p:nvGrpSpPr>
+        <p:cNvPr id="1" name=""/>
+        <p:cNvGrpSpPr/>
+        <p:nvPr/>
+      </p:nvGrpSpPr>
+      <p:grpSpPr>
+        <a:xfrm>
+          <a:off x="0" y="0"/>
+          <a:ext cx="0" cy="0"/>
+          <a:chOff x="0" y="0"/>
+          <a:chExt cx="0" cy="0"/>
+        </a:xfrm>
+      </p:grpSpPr>
+      <p:sp>
+        <p:nvSpPr>
+          <p:cNvPr id="2" name="Rectangle 1"/>
+          <p:cNvSpPr>
+            <a:spLocks noGrp="1"/>
+          </p:cNvSpPr>
+          <p:nvPr>
+            <p:ph type="title"/>
+          </p:nvPr>
+        </p:nvSpPr>
+        <p:spPr>
+          <a:xfrm>
+            <a:off x="752475" y="4572000"/>
+            <a:ext cx="7781925" cy="990600"/>
+          </a:xfrm>
+        </p:spPr>
+        <p:txBody>
+          <a:bodyPr/>
+          <a:lstStyle/>
+          <a:p>
+            <a:pPr fontAlgn="auto">
+              <a:spcAft>
+                <a:spcPts val="0"/>
+              </a:spcAft>
+              <a:defRPr/>
+            </a:pPr>
+            <a:r>
+              <a:rPr lang="nl-BE" dirty="0" smtClean="0"/>
+              <a:t>Logging</a:t>
+            </a:r>
+            <a:endParaRPr dirty="0"/>
+          </a:p>
+        </p:txBody>
+      </p:sp>
+      <p:pic>
+        <p:nvPicPr>
+          <p:cNvPr id="11" name="Tijdelijke aanduiding voor afbeelding 10" descr="1.jpg"/>
+          <p:cNvPicPr>
+            <a:picLocks noGrp="1" noChangeAspect="1"/>
+          </p:cNvPicPr>
+          <p:nvPr>
+            <p:ph type="pic" sz="quarter" idx="11"/>
+          </p:nvPr>
+        </p:nvPicPr>
+        <p:blipFill>
+          <a:blip r:embed="rId3"/>
+          <a:srcRect/>
+          <a:stretch>
+            <a:fillRect/>
+          </a:stretch>
+        </p:blipFill>
+        <p:spPr/>
+      </p:pic>
+      <p:pic>
+        <p:nvPicPr>
+          <p:cNvPr id="13" name="Tijdelijke aanduiding voor afbeelding 12" descr="2.jpg"/>
+          <p:cNvPicPr>
+            <a:picLocks noGrp="1" noChangeAspect="1"/>
+          </p:cNvPicPr>
+          <p:nvPr>
+            <p:ph type="pic" sz="quarter" idx="15"/>
+          </p:nvPr>
+        </p:nvPicPr>
+        <p:blipFill>
+          <a:blip r:embed="rId4"/>
+          <a:srcRect/>
+          <a:stretch>
+            <a:fillRect/>
+          </a:stretch>
+        </p:blipFill>
+        <p:spPr/>
+      </p:pic>
+      <p:pic>
+        <p:nvPicPr>
+          <p:cNvPr id="15" name="Tijdelijke aanduiding voor afbeelding 14" descr="3.jpg"/>
+          <p:cNvPicPr>
+            <a:picLocks noGrp="1" noChangeAspect="1"/>
+          </p:cNvPicPr>
+          <p:nvPr>
+            <p:ph type="pic" sz="quarter" idx="16"/>
+          </p:nvPr>
+        </p:nvPicPr>
+        <p:blipFill>
+          <a:blip r:embed="rId5"/>
+          <a:srcRect/>
+          <a:stretch>
+            <a:fillRect/>
+          </a:stretch>
+        </p:blipFill>
+        <p:spPr/>
+      </p:pic>
+      <p:sp>
+        <p:nvSpPr>
+          <p:cNvPr id="7" name="Tijdelijke aanduiding voor tekst 6"/>
+          <p:cNvSpPr>
+            <a:spLocks noGrp="1"/>
+          </p:cNvSpPr>
+          <p:nvPr>
+            <p:ph type="body" sz="quarter" idx="14"/>
+          </p:nvPr>
+        </p:nvSpPr>
+        <p:spPr/>
+        <p:txBody>
+          <a:bodyPr/>
+          <a:lstStyle/>
+          <a:p>
+            <a:endParaRPr lang="nl-NL"/>
+          </a:p>
+        </p:txBody>
+      </p:sp>
+    </p:spTree>
+  </p:cSld>
+  <p:clrMapOvr>
+    <a:masterClrMapping/>
+  </p:clrMapOvr>
+  <p:transition>
+    <p:fade/>
+  </p:transition>
+  <p:timing>
+    <p:tnLst>
+      <p:par>
+        <p:cTn id="1" dur="indefinite" restart="never" nodeType="tmRoot"/>
+      </p:par>
+    </p:tnLst>
+  </p:timing>
+</p:sld>
+</file>
+
+<file path=ppt/slides/slide17.xml><?xml version="1.0" encoding="utf-8"?>
+<p:sld xmlns:a="http://schemas.openxmlformats.org/drawingml/2006/main" xmlns:r="http://schemas.openxmlformats.org/officeDocument/2006/relationships" xmlns:mc="http://schemas.openxmlformats.org/markup-compatibility/2006" xmlns:mv="urn:schemas-microsoft-com:mac:vml" xmlns:p="http://schemas.openxmlformats.org/presentationml/2006/main" mc:Ignorable="mv" mc:PreserveAttributes="mv:*">
+  <p:cSld>
+    <p:spTree>
+      <p:nvGrpSpPr>
+        <p:cNvPr id="1" name=""/>
+        <p:cNvGrpSpPr/>
+        <p:nvPr/>
+      </p:nvGrpSpPr>
+      <p:grpSpPr>
+        <a:xfrm>
+          <a:off x="0" y="0"/>
+          <a:ext cx="0" cy="0"/>
+          <a:chOff x="0" y="0"/>
+          <a:chExt cx="0" cy="0"/>
+        </a:xfrm>
+      </p:grpSpPr>
+      <p:sp>
+        <p:nvSpPr>
+          <p:cNvPr id="7" name="Titel 6"/>
+          <p:cNvSpPr>
+            <a:spLocks noGrp="1"/>
+          </p:cNvSpPr>
+          <p:nvPr>
+            <p:ph type="title"/>
+          </p:nvPr>
+        </p:nvSpPr>
+        <p:spPr>
+          <a:xfrm>
+            <a:off x="609600" y="152400"/>
+            <a:ext cx="7781730" cy="990600"/>
+          </a:xfrm>
+        </p:spPr>
+        <p:txBody>
+          <a:bodyPr/>
+          <a:lstStyle/>
+          <a:p>
+            <a:r>
+              <a:rPr lang="nl-NL" dirty="0" err="1" smtClean="0"/>
+              <a:t>Logging</a:t>
+            </a:r>
+            <a:endParaRPr lang="nl-NL" dirty="0"/>
+          </a:p>
+        </p:txBody>
+      </p:sp>
+      <p:sp>
+        <p:nvSpPr>
+          <p:cNvPr id="8" name="Tijdelijke aanduiding voor tekst 7"/>
+          <p:cNvSpPr>
+            <a:spLocks noGrp="1"/>
+          </p:cNvSpPr>
+          <p:nvPr>
+            <p:ph type="body" sz="quarter" idx="14"/>
+          </p:nvPr>
+        </p:nvSpPr>
+        <p:spPr>
+          <a:xfrm>
+            <a:off x="609600" y="1752600"/>
+            <a:ext cx="7772400" cy="838200"/>
+          </a:xfrm>
+        </p:spPr>
+        <p:txBody>
+          <a:bodyPr/>
+          <a:lstStyle/>
+          <a:p>
+            <a:pPr marL="431800" indent="-323850">
+              <a:buSzPct val="45000"/>
+              <a:buFont typeface="Wingdings" charset="2"/>
+              <a:buChar char=""/>
+              <a:tabLst>
+                <a:tab pos="723900" algn="l"/>
+                <a:tab pos="1447800" algn="l"/>
+                <a:tab pos="2171700" algn="l"/>
+                <a:tab pos="2895600" algn="l"/>
+                <a:tab pos="3619500" algn="l"/>
+                <a:tab pos="4343400" algn="l"/>
+                <a:tab pos="5067300" algn="l"/>
+                <a:tab pos="5791200" algn="l"/>
+                <a:tab pos="6515100" algn="l"/>
+                <a:tab pos="7239000" algn="l"/>
+                <a:tab pos="7962900" algn="l"/>
+                <a:tab pos="8686800" algn="l"/>
+              </a:tabLst>
+            </a:pPr>
+            <a:r>
+              <a:rPr lang="nl-BE" dirty="0" smtClean="0"/>
+              <a:t>Doel: eenvoudig debuggen van clientside </a:t>
+            </a:r>
+            <a:r>
+              <a:rPr lang="nl-BE" dirty="0" smtClean="0"/>
+              <a:t>errors</a:t>
+            </a:r>
+          </a:p>
+          <a:p>
+            <a:pPr marL="431800" indent="-323850">
+              <a:buSzPct val="45000"/>
+              <a:buFont typeface="Wingdings" charset="2"/>
+              <a:buChar char=""/>
+              <a:tabLst>
+                <a:tab pos="723900" algn="l"/>
+                <a:tab pos="1447800" algn="l"/>
+                <a:tab pos="2171700" algn="l"/>
+                <a:tab pos="2895600" algn="l"/>
+                <a:tab pos="3619500" algn="l"/>
+                <a:tab pos="4343400" algn="l"/>
+                <a:tab pos="5067300" algn="l"/>
+                <a:tab pos="5791200" algn="l"/>
+                <a:tab pos="6515100" algn="l"/>
+                <a:tab pos="7239000" algn="l"/>
+                <a:tab pos="7962900" algn="l"/>
+                <a:tab pos="8686800" algn="l"/>
+              </a:tabLst>
+            </a:pPr>
+            <a:endParaRPr lang="nl-BE" dirty="0" smtClean="0"/>
+          </a:p>
+          <a:p>
+            <a:pPr marL="431800" indent="-323850">
+              <a:buSzPct val="45000"/>
+              <a:buFont typeface="Wingdings" charset="2"/>
+              <a:buChar char=""/>
+              <a:tabLst>
+                <a:tab pos="723900" algn="l"/>
+                <a:tab pos="1447800" algn="l"/>
+                <a:tab pos="2171700" algn="l"/>
+                <a:tab pos="2895600" algn="l"/>
+                <a:tab pos="3619500" algn="l"/>
+                <a:tab pos="4343400" algn="l"/>
+                <a:tab pos="5067300" algn="l"/>
+                <a:tab pos="5791200" algn="l"/>
+                <a:tab pos="6515100" algn="l"/>
+                <a:tab pos="7239000" algn="l"/>
+                <a:tab pos="7962900" algn="l"/>
+                <a:tab pos="8686800" algn="l"/>
+              </a:tabLst>
+            </a:pPr>
+            <a:r>
+              <a:rPr lang="nl-BE" dirty="0" smtClean="0"/>
+              <a:t>Methode: centralisatie van </a:t>
+            </a:r>
+            <a:r>
+              <a:rPr lang="nl-BE" dirty="0" smtClean="0"/>
+              <a:t>logs</a:t>
+            </a:r>
+          </a:p>
+          <a:p>
+            <a:pPr marL="431800" indent="-323850">
+              <a:buSzPct val="45000"/>
+              <a:buFont typeface="Wingdings" charset="2"/>
+              <a:buChar char=""/>
+              <a:tabLst>
+                <a:tab pos="723900" algn="l"/>
+                <a:tab pos="1447800" algn="l"/>
+                <a:tab pos="2171700" algn="l"/>
+                <a:tab pos="2895600" algn="l"/>
+                <a:tab pos="3619500" algn="l"/>
+                <a:tab pos="4343400" algn="l"/>
+                <a:tab pos="5067300" algn="l"/>
+                <a:tab pos="5791200" algn="l"/>
+                <a:tab pos="6515100" algn="l"/>
+                <a:tab pos="7239000" algn="l"/>
+                <a:tab pos="7962900" algn="l"/>
+                <a:tab pos="8686800" algn="l"/>
+              </a:tabLst>
+            </a:pPr>
+            <a:endParaRPr lang="nl-BE" dirty="0" smtClean="0"/>
+          </a:p>
+          <a:p>
+            <a:pPr marL="863600" lvl="1" indent="-323850">
+              <a:buSzPct val="45000"/>
+              <a:buFont typeface="Wingdings" charset="2"/>
+              <a:buChar char=""/>
+              <a:tabLst>
+                <a:tab pos="723900" algn="l"/>
+                <a:tab pos="1447800" algn="l"/>
+                <a:tab pos="2171700" algn="l"/>
+                <a:tab pos="2895600" algn="l"/>
+                <a:tab pos="3619500" algn="l"/>
+                <a:tab pos="4343400" algn="l"/>
+                <a:tab pos="5067300" algn="l"/>
+                <a:tab pos="5791200" algn="l"/>
+                <a:tab pos="6515100" algn="l"/>
+                <a:tab pos="7239000" algn="l"/>
+                <a:tab pos="7962900" algn="l"/>
+                <a:tab pos="8686800" algn="l"/>
+              </a:tabLst>
+            </a:pPr>
+            <a:r>
+              <a:rPr lang="nl-BE" dirty="0" smtClean="0"/>
+              <a:t>Centrale syslog server + web </a:t>
+            </a:r>
+            <a:r>
+              <a:rPr lang="nl-BE" dirty="0" smtClean="0"/>
+              <a:t>frontend</a:t>
+            </a:r>
+          </a:p>
+          <a:p>
+            <a:pPr marL="863600" lvl="1" indent="-323850">
+              <a:buSzPct val="45000"/>
+              <a:buFont typeface="Wingdings" charset="2"/>
+              <a:buChar char=""/>
+              <a:tabLst>
+                <a:tab pos="723900" algn="l"/>
+                <a:tab pos="1447800" algn="l"/>
+                <a:tab pos="2171700" algn="l"/>
+                <a:tab pos="2895600" algn="l"/>
+                <a:tab pos="3619500" algn="l"/>
+                <a:tab pos="4343400" algn="l"/>
+                <a:tab pos="5067300" algn="l"/>
+                <a:tab pos="5791200" algn="l"/>
+                <a:tab pos="6515100" algn="l"/>
+                <a:tab pos="7239000" algn="l"/>
+                <a:tab pos="7962900" algn="l"/>
+                <a:tab pos="8686800" algn="l"/>
+              </a:tabLst>
+            </a:pPr>
+            <a:endParaRPr lang="nl-BE" dirty="0" smtClean="0"/>
+          </a:p>
+          <a:p>
+            <a:pPr marL="863600" lvl="1" indent="-323850">
+              <a:buSzPct val="45000"/>
+              <a:buFont typeface="Wingdings" charset="2"/>
+              <a:buChar char=""/>
+              <a:tabLst>
+                <a:tab pos="723900" algn="l"/>
+                <a:tab pos="1447800" algn="l"/>
+                <a:tab pos="2171700" algn="l"/>
+                <a:tab pos="2895600" algn="l"/>
+                <a:tab pos="3619500" algn="l"/>
+                <a:tab pos="4343400" algn="l"/>
+                <a:tab pos="5067300" algn="l"/>
+                <a:tab pos="5791200" algn="l"/>
+                <a:tab pos="6515100" algn="l"/>
+                <a:tab pos="7239000" algn="l"/>
+                <a:tab pos="7962900" algn="l"/>
+                <a:tab pos="8686800" algn="l"/>
+              </a:tabLst>
+            </a:pPr>
+            <a:r>
+              <a:rPr lang="nl-BE" dirty="0" smtClean="0"/>
+              <a:t>Log4j met syslog-appender, Sys::Syslog, ...</a:t>
+            </a:r>
+            <a:endParaRPr lang="nl-BE" dirty="0"/>
+          </a:p>
+        </p:txBody>
+      </p:sp>
     </p:spTree>
   </p:cSld>
   <p:clrMapOvr>
@@ -31496,15 +33794,7 @@
             </a:pPr>
             <a:r>
               <a:rPr lang="nl-BE" dirty="0" smtClean="0"/>
-              <a:t>De</a:t>
-            </a:r>
-            <a:r>
-              <a:rPr lang="nl-BE" dirty="0" smtClean="0"/>
-              <a:t> interactieve </a:t>
-            </a:r>
-            <a:r>
-              <a:rPr lang="nl-BE" dirty="0" smtClean="0"/>
-              <a:t>website</a:t>
+              <a:t>De interactieve website</a:t>
             </a:r>
             <a:endParaRPr dirty="0"/>
           </a:p>
@@ -31704,11 +33994,7 @@
             </a:pPr>
             <a:r>
               <a:rPr lang="nl-BE" dirty="0" smtClean="0"/>
-              <a:t>De</a:t>
-            </a:r>
-            <a:r>
-              <a:rPr lang="nl-BE" dirty="0" smtClean="0"/>
-              <a:t> desktop applicatie</a:t>
+              <a:t>De desktop applicatie</a:t>
             </a:r>
             <a:endParaRPr dirty="0"/>
           </a:p>
@@ -31912,11 +34198,7 @@
             </a:pPr>
             <a:r>
               <a:rPr lang="nl-BE" dirty="0" smtClean="0"/>
-              <a:t>De</a:t>
-            </a:r>
-            <a:r>
-              <a:rPr lang="nl-BE" dirty="0" smtClean="0"/>
-              <a:t> mobiele applicatie</a:t>
+              <a:t>De mobiele applicatie</a:t>
             </a:r>
             <a:endParaRPr dirty="0"/>
           </a:p>
@@ -31951,7 +34233,7 @@
       </p:sp>
       <p:pic>
         <p:nvPicPr>
-          <p:cNvPr id="15" name="Tijdelijke aanduiding voor afbeelding 14" descr="7.jpg"/>
+          <p:cNvPr id="10" name="Tijdelijke aanduiding voor afbeelding 9" descr="1.jpg"/>
           <p:cNvPicPr>
             <a:picLocks noGrp="1" noChangeAspect="1"/>
           </p:cNvPicPr>
@@ -31970,7 +34252,7 @@
       </p:pic>
       <p:pic>
         <p:nvPicPr>
-          <p:cNvPr id="13" name="Tijdelijke aanduiding voor afbeelding 12" descr="8.jpg"/>
+          <p:cNvPr id="12" name="Tijdelijke aanduiding voor afbeelding 11" descr="2.jpg"/>
           <p:cNvPicPr>
             <a:picLocks noGrp="1" noChangeAspect="1"/>
           </p:cNvPicPr>
@@ -31989,7 +34271,7 @@
       </p:pic>
       <p:pic>
         <p:nvPicPr>
-          <p:cNvPr id="11" name="Tijdelijke aanduiding voor afbeelding 10" descr="9.jpg"/>
+          <p:cNvPr id="14" name="Tijdelijke aanduiding voor afbeelding 13" descr="3.jpg"/>
           <p:cNvPicPr>
             <a:picLocks noGrp="1" noChangeAspect="1"/>
           </p:cNvPicPr>
@@ -32071,11 +34353,7 @@
             </a:pPr>
             <a:r>
               <a:rPr lang="nl-BE" dirty="0" smtClean="0"/>
-              <a:t>De</a:t>
-            </a:r>
-            <a:r>
-              <a:rPr lang="nl-BE" dirty="0" smtClean="0"/>
-              <a:t> interactieve grafieken</a:t>
+              <a:t>De interactieve grafieken</a:t>
             </a:r>
             <a:endParaRPr dirty="0"/>
           </a:p>

--- a/demo/Presentatie.pptx
+++ b/demo/Presentatie.pptx
@@ -5,10 +5,10 @@
     <p:sldMasterId id="2147483648" r:id="rId1"/>
   </p:sldMasterIdLst>
   <p:notesMasterIdLst>
-    <p:notesMasterId r:id="rId19"/>
+    <p:notesMasterId r:id="rId20"/>
   </p:notesMasterIdLst>
   <p:handoutMasterIdLst>
-    <p:handoutMasterId r:id="rId20"/>
+    <p:handoutMasterId r:id="rId21"/>
   </p:handoutMasterIdLst>
   <p:sldIdLst>
     <p:sldId id="319" r:id="rId2"/>
@@ -26,8 +26,9 @@
     <p:sldId id="351" r:id="rId14"/>
     <p:sldId id="352" r:id="rId15"/>
     <p:sldId id="354" r:id="rId16"/>
-    <p:sldId id="356" r:id="rId17"/>
-    <p:sldId id="355" r:id="rId18"/>
+    <p:sldId id="357" r:id="rId17"/>
+    <p:sldId id="356" r:id="rId18"/>
+    <p:sldId id="355" r:id="rId19"/>
   </p:sldIdLst>
   <p:sldSz cx="9144000" cy="6858000" type="screen4x3"/>
   <p:notesSz cx="6858000" cy="9144000"/>
@@ -7287,8 +7288,8 @@
     <dgm:cxn modelId="{B87B8609-706E-7745-B2D7-1C966730B0DF}" srcId="{982BD068-6D3A-C14B-B3E3-71EF06FC4B5D}" destId="{F73B51DC-8BA9-8E4F-B3C5-A590BB75DEC9}" srcOrd="0" destOrd="0" parTransId="{C771F12C-E3CF-9C41-88AC-9828B1E56A28}" sibTransId="{027D5E1B-72D9-BB4C-8E87-4D6C9F221531}"/>
     <dgm:cxn modelId="{796D49CB-D018-1E4F-B560-8110D6E0370B}" type="presOf" srcId="{027D5E1B-72D9-BB4C-8E87-4D6C9F221531}" destId="{642F1318-C281-7643-993C-BEFA6351506E}" srcOrd="0" destOrd="0" presId="urn:microsoft.com/office/officeart/2005/8/layout/gear1"/>
     <dgm:cxn modelId="{5104C1EC-AEFE-8B4D-A0F0-3D4E393949C2}" type="presOf" srcId="{E31B755E-BD87-864B-8F45-84C13EEE8687}" destId="{EF710E0F-5E5C-884C-941C-4C52F5536DB6}" srcOrd="0" destOrd="0" presId="urn:microsoft.com/office/officeart/2005/8/layout/gear1"/>
+    <dgm:cxn modelId="{9608901C-3E3E-B94C-A2C0-D7A18B3DD421}" type="presOf" srcId="{F73B51DC-8BA9-8E4F-B3C5-A590BB75DEC9}" destId="{370DBBC7-1F18-6A44-893A-E515025C135D}" srcOrd="2" destOrd="0" presId="urn:microsoft.com/office/officeart/2005/8/layout/gear1"/>
     <dgm:cxn modelId="{DFE93775-549B-A044-8210-28D0E53649BB}" type="presOf" srcId="{982BD068-6D3A-C14B-B3E3-71EF06FC4B5D}" destId="{14307530-A896-6843-A155-A0167B422032}" srcOrd="0" destOrd="0" presId="urn:microsoft.com/office/officeart/2005/8/layout/gear1"/>
-    <dgm:cxn modelId="{9608901C-3E3E-B94C-A2C0-D7A18B3DD421}" type="presOf" srcId="{F73B51DC-8BA9-8E4F-B3C5-A590BB75DEC9}" destId="{370DBBC7-1F18-6A44-893A-E515025C135D}" srcOrd="2" destOrd="0" presId="urn:microsoft.com/office/officeart/2005/8/layout/gear1"/>
     <dgm:cxn modelId="{413664F8-ED34-0544-9E9F-CC9B43E84C6B}" srcId="{982BD068-6D3A-C14B-B3E3-71EF06FC4B5D}" destId="{5AF1D3F0-C035-A840-B1D6-57F913F0793E}" srcOrd="1" destOrd="0" parTransId="{1DE18BC9-F2D7-6B43-BD4B-AE9FA7AAE8A2}" sibTransId="{E31B755E-BD87-864B-8F45-84C13EEE8687}"/>
     <dgm:cxn modelId="{03B3BEA0-A6F7-1F4B-A31D-1BA76C48DB5D}" type="presOf" srcId="{F73B51DC-8BA9-8E4F-B3C5-A590BB75DEC9}" destId="{3BE28C13-2FCC-524B-AC1F-2882531BDF07}" srcOrd="0" destOrd="0" presId="urn:microsoft.com/office/officeart/2005/8/layout/gear1"/>
     <dgm:cxn modelId="{BF693505-2E85-874B-8C01-0DD5F6D9C044}" type="presOf" srcId="{F73B51DC-8BA9-8E4F-B3C5-A590BB75DEC9}" destId="{5EE99F2B-BF51-AB46-83DA-F3D948400E6C}" srcOrd="1" destOrd="0" presId="urn:microsoft.com/office/officeart/2005/8/layout/gear1"/>
@@ -21154,7 +21155,7 @@
                 </a:spcAft>
                 <a:defRPr/>
               </a:pPr>
-              <a:t>16</a:t>
+              <a:t>17</a:t>
             </a:fld>
             <a:endParaRPr smtClean="0">
               <a:cs typeface="Arial" charset="0"/>
@@ -21423,7 +21424,7 @@
                 </a:spcAft>
                 <a:defRPr/>
               </a:pPr>
-              <a:t>17</a:t>
+              <a:t>18</a:t>
             </a:fld>
             <a:endParaRPr smtClean="0">
               <a:cs typeface="Arial" charset="0"/>
@@ -32111,7 +32112,7 @@
           <a:p>
             <a:r>
               <a:rPr lang="nl-NL" dirty="0" err="1" smtClean="0"/>
-              <a:t>Scrapper</a:t>
+              <a:t>Scraper</a:t>
             </a:r>
             <a:endParaRPr lang="nl-NL" dirty="0"/>
           </a:p>
@@ -32189,7 +32190,6 @@
               <a:rPr lang="nl-BE" dirty="0" smtClean="0"/>
               <a:t>Losstaand, communicatie over XML-RPC</a:t>
             </a:r>
-            <a:endParaRPr lang="nl-BE" dirty="0" smtClean="0"/>
           </a:p>
           <a:p>
             <a:pPr marL="431800" indent="-323850">
@@ -32235,13 +32235,8 @@
             </a:pPr>
             <a:r>
               <a:rPr lang="nl-BE" dirty="0" smtClean="0"/>
-              <a:t>Modulair</a:t>
+              <a:t>Modulair, gebruikt plugins</a:t>
             </a:r>
-            <a:r>
-              <a:rPr lang="nl-BE" dirty="0" smtClean="0"/>
-              <a:t>, gebruikt plugins</a:t>
-            </a:r>
-            <a:endParaRPr lang="nl-BE" dirty="0" smtClean="0"/>
           </a:p>
           <a:p>
             <a:pPr marL="863600" lvl="1" indent="-323850">
@@ -32287,13 +32282,8 @@
             </a:pPr>
             <a:r>
               <a:rPr lang="nl-BE" dirty="0" smtClean="0"/>
-              <a:t>1 </a:t>
+              <a:t>1 per bron (website, feeds, databases, ...)</a:t>
             </a:r>
-            <a:r>
-              <a:rPr lang="nl-BE" dirty="0" smtClean="0"/>
-              <a:t>per bron (website, feeds, databases, ...)</a:t>
-            </a:r>
-            <a:endParaRPr lang="nl-BE" dirty="0" smtClean="0"/>
           </a:p>
           <a:p>
             <a:pPr marL="863600" lvl="1" indent="-323850">
@@ -32339,17 +32329,8 @@
             </a:pPr>
             <a:r>
               <a:rPr lang="nl-BE" dirty="0" smtClean="0"/>
-              <a:t>Adverteert </a:t>
+              <a:t>Adverteert data ter beschikking</a:t>
             </a:r>
-            <a:r>
-              <a:rPr lang="nl-BE" dirty="0" smtClean="0"/>
-              <a:t>data ter </a:t>
-            </a:r>
-            <a:r>
-              <a:rPr lang="nl-BE" dirty="0" smtClean="0"/>
-              <a:t>beschikking</a:t>
-            </a:r>
-            <a:endParaRPr lang="nl-BE" dirty="0" smtClean="0"/>
           </a:p>
         </p:txBody>
       </p:sp>
@@ -32862,11 +32843,11 @@
             </a:pPr>
             <a:r>
               <a:rPr lang="nl-BE" dirty="0" smtClean="0"/>
-              <a:t>Doel: hergebruik van dezelfde filters voor verschillende data-</a:t>
+              <a:t>Doel:</a:t>
             </a:r>
             <a:r>
               <a:rPr lang="nl-BE" dirty="0" smtClean="0"/>
-              <a:t>backends</a:t>
+              <a:t> als we kiezen voor een andere opslagmedium, dan moeten er geen aanpassingen gebeuren in de interfaces</a:t>
             </a:r>
           </a:p>
           <a:p>
@@ -32913,11 +32894,7 @@
             </a:pPr>
             <a:r>
               <a:rPr lang="nl-BE" dirty="0" smtClean="0"/>
-              <a:t>Input: String, parsen tot </a:t>
-            </a:r>
-            <a:r>
-              <a:rPr lang="nl-BE" dirty="0" smtClean="0"/>
-              <a:t>AST</a:t>
+              <a:t>Input: String, parsen tot AST</a:t>
             </a:r>
           </a:p>
           <a:p>
@@ -33037,11 +33014,7 @@
             </a:pPr>
             <a:r>
               <a:rPr lang="nl-BE" dirty="0" smtClean="0"/>
-              <a:t>Debuggen via GraphViz </a:t>
-            </a:r>
-            <a:r>
-              <a:rPr lang="nl-BE" dirty="0" smtClean="0"/>
-              <a:t>visualisatie</a:t>
+              <a:t>Debuggen via GraphViz visualisatie</a:t>
             </a:r>
           </a:p>
           <a:p>
@@ -33138,6 +33111,58 @@
 </file>
 
 <file path=ppt/slides/slide16.xml><?xml version="1.0" encoding="utf-8"?>
+<p:sld xmlns:a="http://schemas.openxmlformats.org/drawingml/2006/main" xmlns:r="http://schemas.openxmlformats.org/officeDocument/2006/relationships" xmlns:mc="http://schemas.openxmlformats.org/markup-compatibility/2006" xmlns:mv="urn:schemas-microsoft-com:mac:vml" xmlns:p="http://schemas.openxmlformats.org/presentationml/2006/main" mc:Ignorable="mv" mc:PreserveAttributes="mv:*">
+  <p:cSld>
+    <p:spTree>
+      <p:nvGrpSpPr>
+        <p:cNvPr id="1" name=""/>
+        <p:cNvGrpSpPr/>
+        <p:nvPr/>
+      </p:nvGrpSpPr>
+      <p:grpSpPr>
+        <a:xfrm>
+          <a:off x="0" y="0"/>
+          <a:ext cx="0" cy="0"/>
+          <a:chOff x="0" y="0"/>
+          <a:chExt cx="0" cy="0"/>
+        </a:xfrm>
+      </p:grpSpPr>
+      <p:pic>
+        <p:nvPicPr>
+          <p:cNvPr id="7" name="Afbeelding 6" descr="AST.png"/>
+          <p:cNvPicPr>
+            <a:picLocks noChangeAspect="1"/>
+          </p:cNvPicPr>
+          <p:nvPr/>
+        </p:nvPicPr>
+        <p:blipFill>
+          <a:blip r:embed="rId2"/>
+          <a:stretch>
+            <a:fillRect/>
+          </a:stretch>
+        </p:blipFill>
+        <p:spPr>
+          <a:xfrm>
+            <a:off x="609600" y="2096249"/>
+            <a:ext cx="8001000" cy="2932951"/>
+          </a:xfrm>
+          <a:prstGeom prst="rect">
+            <a:avLst/>
+          </a:prstGeom>
+        </p:spPr>
+      </p:pic>
+    </p:spTree>
+  </p:cSld>
+  <p:clrMapOvr>
+    <a:masterClrMapping/>
+  </p:clrMapOvr>
+  <p:transition>
+    <p:fade/>
+  </p:transition>
+</p:sld>
+</file>
+
+<file path=ppt/slides/slide17.xml><?xml version="1.0" encoding="utf-8"?>
 <p:sld xmlns:a="http://schemas.openxmlformats.org/drawingml/2006/main" xmlns:r="http://schemas.openxmlformats.org/officeDocument/2006/relationships" xmlns:mc="http://schemas.openxmlformats.org/markup-compatibility/2006" xmlns:mv="urn:schemas-microsoft-com:mac:vml" xmlns:p="http://schemas.openxmlformats.org/presentationml/2006/main" mc:Ignorable="mv" mc:PreserveAttributes="mv:*">
   <p:cSld>
     <p:spTree>
@@ -33282,7 +33307,7 @@
 </p:sld>
 </file>
 
-<file path=ppt/slides/slide17.xml><?xml version="1.0" encoding="utf-8"?>
+<file path=ppt/slides/slide18.xml><?xml version="1.0" encoding="utf-8"?>
 <p:sld xmlns:a="http://schemas.openxmlformats.org/drawingml/2006/main" xmlns:r="http://schemas.openxmlformats.org/officeDocument/2006/relationships" xmlns:mc="http://schemas.openxmlformats.org/markup-compatibility/2006" xmlns:mv="urn:schemas-microsoft-com:mac:vml" xmlns:p="http://schemas.openxmlformats.org/presentationml/2006/main" mc:Ignorable="mv" mc:PreserveAttributes="mv:*">
   <p:cSld>
     <p:spTree>
@@ -33368,11 +33393,7 @@
             </a:pPr>
             <a:r>
               <a:rPr lang="nl-BE" dirty="0" smtClean="0"/>
-              <a:t>Doel: eenvoudig debuggen van clientside </a:t>
-            </a:r>
-            <a:r>
-              <a:rPr lang="nl-BE" dirty="0" smtClean="0"/>
-              <a:t>errors</a:t>
+              <a:t>Doel: eenvoudig debuggen van clientside errors</a:t>
             </a:r>
           </a:p>
           <a:p>
@@ -33419,11 +33440,7 @@
             </a:pPr>
             <a:r>
               <a:rPr lang="nl-BE" dirty="0" smtClean="0"/>
-              <a:t>Methode: centralisatie van </a:t>
-            </a:r>
-            <a:r>
-              <a:rPr lang="nl-BE" dirty="0" smtClean="0"/>
-              <a:t>logs</a:t>
+              <a:t>Methode: centralisatie van logs</a:t>
             </a:r>
           </a:p>
           <a:p>
@@ -33470,11 +33487,7 @@
             </a:pPr>
             <a:r>
               <a:rPr lang="nl-BE" dirty="0" smtClean="0"/>
-              <a:t>Centrale syslog server + web </a:t>
-            </a:r>
-            <a:r>
-              <a:rPr lang="nl-BE" dirty="0" smtClean="0"/>
-              <a:t>frontend</a:t>
+              <a:t>Centrale syslog server + web frontend</a:t>
             </a:r>
           </a:p>
           <a:p>
